--- a/Coaching Aid Presentation.pptx
+++ b/Coaching Aid Presentation.pptx
@@ -5,34 +5,36 @@
     <p:sldMasterId id="2147483668" r:id="rId1"/>
   </p:sldMasterIdLst>
   <p:notesMasterIdLst>
-    <p:notesMasterId r:id="rId27"/>
+    <p:notesMasterId r:id="rId29"/>
   </p:notesMasterIdLst>
   <p:sldIdLst>
     <p:sldId id="256" r:id="rId2"/>
     <p:sldId id="257" r:id="rId3"/>
     <p:sldId id="258" r:id="rId4"/>
     <p:sldId id="259" r:id="rId5"/>
-    <p:sldId id="270" r:id="rId6"/>
-    <p:sldId id="271" r:id="rId7"/>
-    <p:sldId id="272" r:id="rId8"/>
-    <p:sldId id="273" r:id="rId9"/>
-    <p:sldId id="267" r:id="rId10"/>
-    <p:sldId id="266" r:id="rId11"/>
-    <p:sldId id="268" r:id="rId12"/>
-    <p:sldId id="269" r:id="rId13"/>
-    <p:sldId id="274" r:id="rId14"/>
-    <p:sldId id="275" r:id="rId15"/>
-    <p:sldId id="276" r:id="rId16"/>
-    <p:sldId id="277" r:id="rId17"/>
-    <p:sldId id="278" r:id="rId18"/>
-    <p:sldId id="279" r:id="rId19"/>
-    <p:sldId id="280" r:id="rId20"/>
-    <p:sldId id="281" r:id="rId21"/>
-    <p:sldId id="282" r:id="rId22"/>
-    <p:sldId id="283" r:id="rId23"/>
-    <p:sldId id="284" r:id="rId24"/>
-    <p:sldId id="285" r:id="rId25"/>
-    <p:sldId id="261" r:id="rId26"/>
+    <p:sldId id="286" r:id="rId6"/>
+    <p:sldId id="287" r:id="rId7"/>
+    <p:sldId id="267" r:id="rId8"/>
+    <p:sldId id="266" r:id="rId9"/>
+    <p:sldId id="268" r:id="rId10"/>
+    <p:sldId id="269" r:id="rId11"/>
+    <p:sldId id="270" r:id="rId12"/>
+    <p:sldId id="271" r:id="rId13"/>
+    <p:sldId id="272" r:id="rId14"/>
+    <p:sldId id="273" r:id="rId15"/>
+    <p:sldId id="274" r:id="rId16"/>
+    <p:sldId id="275" r:id="rId17"/>
+    <p:sldId id="276" r:id="rId18"/>
+    <p:sldId id="277" r:id="rId19"/>
+    <p:sldId id="278" r:id="rId20"/>
+    <p:sldId id="279" r:id="rId21"/>
+    <p:sldId id="280" r:id="rId22"/>
+    <p:sldId id="281" r:id="rId23"/>
+    <p:sldId id="282" r:id="rId24"/>
+    <p:sldId id="283" r:id="rId25"/>
+    <p:sldId id="284" r:id="rId26"/>
+    <p:sldId id="285" r:id="rId27"/>
+    <p:sldId id="261" r:id="rId28"/>
   </p:sldIdLst>
   <p:sldSz cx="12192000" cy="6858000"/>
   <p:notesSz cx="6858000" cy="9144000"/>
@@ -139,6 +141,32 @@
 </p:presentation>
 </file>
 
+<file path=ppt/commentAuthors.xml><?xml version="1.0" encoding="utf-8"?>
+<p:cmAuthorLst xmlns:a="http://schemas.openxmlformats.org/drawingml/2006/main" xmlns:r="http://schemas.openxmlformats.org/officeDocument/2006/relationships" xmlns:p="http://schemas.openxmlformats.org/presentationml/2006/main">
+  <p:cmAuthor id="1" name="John Rivas" initials="JR" lastIdx="1" clrIdx="0">
+    <p:extLst>
+      <p:ext uri="{19B8F6BF-5375-455C-9EA6-DF929625EA0E}">
+        <p15:presenceInfo xmlns:p15="http://schemas.microsoft.com/office/powerpoint/2012/main" userId="" providerId=""/>
+      </p:ext>
+    </p:extLst>
+  </p:cmAuthor>
+</p:cmAuthorLst>
+</file>
+
+<file path=ppt/comments/comment1.xml><?xml version="1.0" encoding="utf-8"?>
+<p:cmLst xmlns:a="http://schemas.openxmlformats.org/drawingml/2006/main" xmlns:r="http://schemas.openxmlformats.org/officeDocument/2006/relationships" xmlns:p="http://schemas.openxmlformats.org/presentationml/2006/main">
+  <p:cm authorId="1" dt="2017-11-09T19:18:26.323" idx="1">
+    <p:pos x="10" y="10"/>
+    <p:text/>
+    <p:extLst>
+      <p:ext uri="{C676402C-5697-4E1C-873F-D02D1690AC5C}">
+        <p15:threadingInfo xmlns:p15="http://schemas.microsoft.com/office/powerpoint/2012/main" timeZoneBias="360"/>
+      </p:ext>
+    </p:extLst>
+  </p:cm>
+</p:cmLst>
+</file>
+
 <file path=ppt/notesMasters/notesMaster1.xml><?xml version="1.0" encoding="utf-8"?>
 <p:notesMaster xmlns:a="http://schemas.openxmlformats.org/drawingml/2006/main" xmlns:r="http://schemas.openxmlformats.org/officeDocument/2006/relationships" xmlns:p="http://schemas.openxmlformats.org/presentationml/2006/main">
   <p:cSld>
@@ -221,7 +249,7 @@
           <a:p>
             <a:fld id="{8F89E8EB-0781-BC41-89ED-666A6F6C8D28}" type="datetimeFigureOut">
               <a:rPr lang="en-US" smtClean="0"/>
-              <a:t>11/7/17</a:t>
+              <a:t>11/9/17</a:t>
             </a:fld>
             <a:endParaRPr lang="en-US"/>
           </a:p>
@@ -1235,7 +1263,7 @@
             <a:fld id="{B61BEF0D-F0BB-DE4B-95CE-6DB70DBA9567}" type="datetimeFigureOut">
               <a:rPr lang="en-US" smtClean="0"/>
               <a:pPr/>
-              <a:t>11/7/17</a:t>
+              <a:t>11/9/17</a:t>
             </a:fld>
             <a:endParaRPr lang="en-US" dirty="0"/>
           </a:p>
@@ -1483,7 +1511,7 @@
             <a:fld id="{B61BEF0D-F0BB-DE4B-95CE-6DB70DBA9567}" type="datetimeFigureOut">
               <a:rPr lang="en-US" smtClean="0"/>
               <a:pPr/>
-              <a:t>11/7/17</a:t>
+              <a:t>11/9/17</a:t>
             </a:fld>
             <a:endParaRPr lang="en-US" dirty="0"/>
           </a:p>
@@ -1794,7 +1822,7 @@
             <a:fld id="{B61BEF0D-F0BB-DE4B-95CE-6DB70DBA9567}" type="datetimeFigureOut">
               <a:rPr lang="en-US" smtClean="0"/>
               <a:pPr/>
-              <a:t>11/7/17</a:t>
+              <a:t>11/9/17</a:t>
             </a:fld>
             <a:endParaRPr lang="en-US" dirty="0"/>
           </a:p>
@@ -2124,7 +2152,7 @@
             <a:fld id="{B61BEF0D-F0BB-DE4B-95CE-6DB70DBA9567}" type="datetimeFigureOut">
               <a:rPr lang="en-US" smtClean="0"/>
               <a:pPr/>
-              <a:t>11/7/17</a:t>
+              <a:t>11/9/17</a:t>
             </a:fld>
             <a:endParaRPr lang="en-US" dirty="0"/>
           </a:p>
@@ -2435,7 +2463,7 @@
             <a:fld id="{B61BEF0D-F0BB-DE4B-95CE-6DB70DBA9567}" type="datetimeFigureOut">
               <a:rPr lang="en-US" smtClean="0"/>
               <a:pPr/>
-              <a:t>11/7/17</a:t>
+              <a:t>11/9/17</a:t>
             </a:fld>
             <a:endParaRPr lang="en-US" dirty="0"/>
           </a:p>
@@ -2825,7 +2853,7 @@
             <a:fld id="{B61BEF0D-F0BB-DE4B-95CE-6DB70DBA9567}" type="datetimeFigureOut">
               <a:rPr lang="en-US" smtClean="0"/>
               <a:pPr/>
-              <a:t>11/7/17</a:t>
+              <a:t>11/9/17</a:t>
             </a:fld>
             <a:endParaRPr lang="en-US" dirty="0"/>
           </a:p>
@@ -2991,7 +3019,7 @@
           <a:p>
             <a:fld id="{55C6B4A9-1611-4792-9094-5F34BCA07E0B}" type="datetimeFigureOut">
               <a:rPr lang="en-US" smtClean="0"/>
-              <a:t>11/7/17</a:t>
+              <a:t>11/9/17</a:t>
             </a:fld>
             <a:endParaRPr lang="en-US" dirty="0"/>
           </a:p>
@@ -3167,7 +3195,7 @@
             <a:fld id="{B61BEF0D-F0BB-DE4B-95CE-6DB70DBA9567}" type="datetimeFigureOut">
               <a:rPr lang="en-US" smtClean="0"/>
               <a:pPr/>
-              <a:t>11/7/17</a:t>
+              <a:t>11/9/17</a:t>
             </a:fld>
             <a:endParaRPr lang="en-US" dirty="0"/>
           </a:p>
@@ -3334,7 +3362,7 @@
             <a:fld id="{B61BEF0D-F0BB-DE4B-95CE-6DB70DBA9567}" type="datetimeFigureOut">
               <a:rPr lang="en-US" smtClean="0"/>
               <a:pPr/>
-              <a:t>11/7/17</a:t>
+              <a:t>11/9/17</a:t>
             </a:fld>
             <a:endParaRPr lang="en-US" dirty="0"/>
           </a:p>
@@ -3578,7 +3606,7 @@
             <a:fld id="{B61BEF0D-F0BB-DE4B-95CE-6DB70DBA9567}" type="datetimeFigureOut">
               <a:rPr lang="en-US" smtClean="0"/>
               <a:pPr/>
-              <a:t>11/7/17</a:t>
+              <a:t>11/9/17</a:t>
             </a:fld>
             <a:endParaRPr lang="en-US" dirty="0"/>
           </a:p>
@@ -3806,7 +3834,7 @@
           <a:p>
             <a:fld id="{EB712588-04B1-427B-82EE-E8DB90309F08}" type="datetimeFigureOut">
               <a:rPr lang="en-US" smtClean="0"/>
-              <a:t>11/7/17</a:t>
+              <a:t>11/9/17</a:t>
             </a:fld>
             <a:endParaRPr lang="en-US" dirty="0"/>
           </a:p>
@@ -4176,7 +4204,7 @@
             <a:fld id="{B61BEF0D-F0BB-DE4B-95CE-6DB70DBA9567}" type="datetimeFigureOut">
               <a:rPr lang="en-US" smtClean="0"/>
               <a:pPr/>
-              <a:t>11/7/17</a:t>
+              <a:t>11/9/17</a:t>
             </a:fld>
             <a:endParaRPr lang="en-US" dirty="0"/>
           </a:p>
@@ -4296,7 +4324,7 @@
             <a:fld id="{B61BEF0D-F0BB-DE4B-95CE-6DB70DBA9567}" type="datetimeFigureOut">
               <a:rPr lang="en-US" smtClean="0"/>
               <a:pPr/>
-              <a:t>11/7/17</a:t>
+              <a:t>11/9/17</a:t>
             </a:fld>
             <a:endParaRPr lang="en-US" dirty="0"/>
           </a:p>
@@ -4388,7 +4416,7 @@
             <a:fld id="{B61BEF0D-F0BB-DE4B-95CE-6DB70DBA9567}" type="datetimeFigureOut">
               <a:rPr lang="en-US" smtClean="0"/>
               <a:pPr/>
-              <a:t>11/7/17</a:t>
+              <a:t>11/9/17</a:t>
             </a:fld>
             <a:endParaRPr lang="en-US" dirty="0"/>
           </a:p>
@@ -4639,7 +4667,7 @@
           <a:p>
             <a:fld id="{42A54C80-263E-416B-A8E0-580EDEADCBDC}" type="datetimeFigureOut">
               <a:rPr lang="en-US" smtClean="0"/>
-              <a:t>11/7/17</a:t>
+              <a:t>11/9/17</a:t>
             </a:fld>
             <a:endParaRPr lang="en-US" dirty="0"/>
           </a:p>
@@ -4941,7 +4969,7 @@
             <a:fld id="{B61BEF0D-F0BB-DE4B-95CE-6DB70DBA9567}" type="datetimeFigureOut">
               <a:rPr lang="en-US" smtClean="0"/>
               <a:pPr/>
-              <a:t>11/7/17</a:t>
+              <a:t>11/9/17</a:t>
             </a:fld>
             <a:endParaRPr lang="en-US" dirty="0"/>
           </a:p>
@@ -5639,7 +5667,7 @@
             <a:fld id="{B61BEF0D-F0BB-DE4B-95CE-6DB70DBA9567}" type="datetimeFigureOut">
               <a:rPr lang="en-US" smtClean="0"/>
               <a:pPr/>
-              <a:t>11/7/17</a:t>
+              <a:t>11/9/17</a:t>
             </a:fld>
             <a:endParaRPr lang="en-US" dirty="0"/>
           </a:p>
@@ -6174,14 +6202,23 @@
             <p:ph type="ctrTitle"/>
           </p:nvPr>
         </p:nvSpPr>
-        <p:spPr/>
+        <p:spPr>
+          <a:xfrm>
+            <a:off x="1507067" y="0"/>
+            <a:ext cx="7766936" cy="1646302"/>
+          </a:xfrm>
+        </p:spPr>
         <p:txBody>
           <a:bodyPr/>
           <a:lstStyle/>
           <a:p>
             <a:r>
               <a:rPr lang="en-US" dirty="0" smtClean="0"/>
-              <a:t>Football Coaching Aid</a:t>
+              <a:t>Football Coaching </a:t>
+            </a:r>
+            <a:r>
+              <a:rPr lang="en-US" dirty="0" smtClean="0"/>
+              <a:t>Aid</a:t>
             </a:r>
             <a:endParaRPr lang="en-US" dirty="0"/>
           </a:p>
@@ -6197,7 +6234,12 @@
             <p:ph type="subTitle" idx="1"/>
           </p:nvPr>
         </p:nvSpPr>
-        <p:spPr/>
+        <p:spPr>
+          <a:xfrm>
+            <a:off x="1507067" y="4922370"/>
+            <a:ext cx="7766936" cy="1096899"/>
+          </a:xfrm>
+        </p:spPr>
         <p:txBody>
           <a:bodyPr/>
           <a:lstStyle/>
@@ -6213,6 +6255,100 @@
               <a:t>Chris Bowes</a:t>
             </a:r>
             <a:endParaRPr lang="en-US" dirty="0"/>
+          </a:p>
+        </p:txBody>
+      </p:sp>
+      <p:sp>
+        <p:nvSpPr>
+          <p:cNvPr id="4" name="TextBox 3"/>
+          <p:cNvSpPr txBox="1"/>
+          <p:nvPr/>
+        </p:nvSpPr>
+        <p:spPr>
+          <a:xfrm>
+            <a:off x="1507067" y="1943100"/>
+            <a:ext cx="7766936" cy="2800767"/>
+          </a:xfrm>
+          <a:prstGeom prst="rect">
+            <a:avLst/>
+          </a:prstGeom>
+          <a:noFill/>
+        </p:spPr>
+        <p:txBody>
+          <a:bodyPr wrap="square" rtlCol="0">
+            <a:spAutoFit/>
+          </a:bodyPr>
+          <a:lstStyle/>
+          <a:p>
+            <a:pPr marL="285750" marR="0" lvl="0" indent="-285750" algn="ctr" defTabSz="914400" eaLnBrk="1" fontAlgn="auto" latinLnBrk="0" hangingPunct="1">
+              <a:lnSpc>
+                <a:spcPct val="100000"/>
+              </a:lnSpc>
+              <a:spcBef>
+                <a:spcPts val="0"/>
+              </a:spcBef>
+              <a:spcAft>
+                <a:spcPts val="0"/>
+              </a:spcAft>
+              <a:buClrTx/>
+              <a:buSzTx/>
+              <a:buFont typeface="Arial" charset="0"/>
+              <a:buNone/>
+              <a:tabLst/>
+              <a:defRPr/>
+            </a:pPr>
+            <a:r>
+              <a:rPr lang="en-US" dirty="0" smtClean="0"/>
+              <a:t>	</a:t>
+            </a:r>
+            <a:r>
+              <a:rPr lang="en-US" u="sng" dirty="0" smtClean="0"/>
+              <a:t>Project Description</a:t>
+            </a:r>
+          </a:p>
+          <a:p>
+            <a:pPr marL="285750" marR="0" lvl="0" indent="-285750" algn="ctr" defTabSz="914400" eaLnBrk="1" fontAlgn="auto" latinLnBrk="0" hangingPunct="1">
+              <a:lnSpc>
+                <a:spcPct val="100000"/>
+              </a:lnSpc>
+              <a:spcBef>
+                <a:spcPts val="0"/>
+              </a:spcBef>
+              <a:spcAft>
+                <a:spcPts val="0"/>
+              </a:spcAft>
+              <a:buClrTx/>
+              <a:buSzTx/>
+              <a:buFont typeface="Arial" charset="0"/>
+              <a:buNone/>
+              <a:tabLst/>
+              <a:defRPr/>
+            </a:pPr>
+            <a:endParaRPr lang="en-US" u="sng" dirty="0" smtClean="0"/>
+          </a:p>
+          <a:p>
+            <a:pPr marL="285750" marR="0" lvl="0" indent="-285750" defTabSz="914400" eaLnBrk="1" fontAlgn="auto" latinLnBrk="0" hangingPunct="1">
+              <a:lnSpc>
+                <a:spcPct val="100000"/>
+              </a:lnSpc>
+              <a:spcBef>
+                <a:spcPts val="0"/>
+              </a:spcBef>
+              <a:spcAft>
+                <a:spcPts val="0"/>
+              </a:spcAft>
+              <a:buClrTx/>
+              <a:buSzTx/>
+              <a:buFont typeface="Arial" charset="0"/>
+              <a:buNone/>
+              <a:tabLst/>
+              <a:defRPr/>
+            </a:pPr>
+            <a:r>
+              <a:rPr lang="en-US" sz="2800" dirty="0" smtClean="0"/>
+              <a:t>	The aim of this project is to provide football coaches with an aid to best predict future play performance. In doing so, a football coach will have better insight into the success of the up coming play. </a:t>
+            </a:r>
+            <a:endParaRPr lang="en-US" sz="2800" dirty="0"/>
           </a:p>
         </p:txBody>
       </p:sp>
@@ -6226,6 +6362,13 @@
   <p:clrMapOvr>
     <a:masterClrMapping/>
   </p:clrMapOvr>
+  <p:timing>
+    <p:tnLst>
+      <p:par>
+        <p:cTn id="1" dur="indefinite" restart="never" nodeType="tmRoot"/>
+      </p:par>
+    </p:tnLst>
+  </p:timing>
 </p:sld>
 </file>
 
@@ -6263,333 +6406,112 @@
           <a:p>
             <a:r>
               <a:rPr lang="en-US" dirty="0"/>
-              <a:t>First Down Models and </a:t>
-            </a:r>
+              <a:t>First Down Models and Results cont.</a:t>
+            </a:r>
+          </a:p>
+        </p:txBody>
+      </p:sp>
+      <p:sp>
+        <p:nvSpPr>
+          <p:cNvPr id="4" name="Content Placeholder 3"/>
+          <p:cNvSpPr>
+            <a:spLocks noGrp="1"/>
+          </p:cNvSpPr>
+          <p:nvPr>
+            <p:ph sz="half" idx="2"/>
+          </p:nvPr>
+        </p:nvSpPr>
+        <p:spPr/>
+        <p:txBody>
+          <a:bodyPr/>
+          <a:lstStyle/>
+          <a:p>
+            <a:r>
+              <a:rPr lang="en-US" b="1" u="sng" dirty="0"/>
+              <a:t>Deep </a:t>
+            </a:r>
+            <a:r>
+              <a:rPr lang="en-US" b="1" u="sng" dirty="0" smtClean="0"/>
+              <a:t>learning</a:t>
+            </a:r>
+          </a:p>
+          <a:p>
+            <a:endParaRPr lang="en-US" b="1" u="sng" dirty="0" smtClean="0"/>
+          </a:p>
+          <a:p>
             <a:r>
               <a:rPr lang="en-US" dirty="0" smtClean="0"/>
-              <a:t>Results cont.</a:t>
-            </a:r>
-            <a:endParaRPr lang="en-US" dirty="0"/>
-          </a:p>
-        </p:txBody>
-      </p:sp>
-      <p:sp>
-        <p:nvSpPr>
-          <p:cNvPr id="3" name="Content Placeholder 2"/>
-          <p:cNvSpPr>
-            <a:spLocks noGrp="1"/>
-          </p:cNvSpPr>
-          <p:nvPr>
-            <p:ph sz="half" idx="1"/>
-          </p:nvPr>
-        </p:nvSpPr>
-        <p:spPr/>
-        <p:txBody>
-          <a:bodyPr/>
-          <a:lstStyle/>
-          <a:p>
-            <a:r>
-              <a:rPr lang="en-US" b="1" u="sng" dirty="0" smtClean="0"/>
-              <a:t>SVM </a:t>
-            </a:r>
-            <a:r>
-              <a:rPr lang="mr-IN" b="1" u="sng" dirty="0" smtClean="0"/>
-              <a:t>–</a:t>
-            </a:r>
-            <a:r>
-              <a:rPr lang="en-US" b="1" u="sng" dirty="0" smtClean="0"/>
-              <a:t> Poly</a:t>
-            </a:r>
-          </a:p>
-          <a:p>
-            <a:pPr lvl="1"/>
-            <a:r>
-              <a:rPr lang="en-US" dirty="0"/>
-              <a:t>Testing </a:t>
-            </a:r>
-          </a:p>
-          <a:p>
-            <a:pPr lvl="1"/>
-            <a:r>
-              <a:rPr lang="en-US" dirty="0"/>
-              <a:t>Confusion Matrix on </a:t>
-            </a:r>
+              <a:t>Only ran with limited number of observations</a:t>
+            </a:r>
+          </a:p>
+          <a:p>
+            <a:endParaRPr lang="en-US" b="1" u="sng" dirty="0"/>
+          </a:p>
+          <a:p>
+            <a:pPr marL="342900" lvl="1" indent="-342900"/>
             <a:r>
               <a:rPr lang="en-US" dirty="0" smtClean="0"/>
-              <a:t>Testing</a:t>
-            </a:r>
-            <a:endParaRPr lang="en-US" b="1" u="sng" dirty="0"/>
-          </a:p>
-          <a:p>
-            <a:endParaRPr lang="en-US" dirty="0"/>
-          </a:p>
-        </p:txBody>
-      </p:sp>
-      <p:sp>
-        <p:nvSpPr>
-          <p:cNvPr id="4" name="Content Placeholder 3"/>
-          <p:cNvSpPr>
-            <a:spLocks noGrp="1"/>
-          </p:cNvSpPr>
-          <p:nvPr>
-            <p:ph sz="half" idx="2"/>
-          </p:nvPr>
-        </p:nvSpPr>
-        <p:spPr/>
-        <p:txBody>
-          <a:bodyPr/>
-          <a:lstStyle/>
-          <a:p>
-            <a:r>
-              <a:rPr lang="en-US" b="1" u="sng" dirty="0"/>
-              <a:t>SVM </a:t>
-            </a:r>
-            <a:r>
-              <a:rPr lang="mr-IN" b="1" u="sng" dirty="0" smtClean="0"/>
-              <a:t>–</a:t>
-            </a:r>
-            <a:r>
-              <a:rPr lang="en-US" b="1" u="sng" dirty="0" smtClean="0"/>
-              <a:t> Radial</a:t>
-            </a:r>
-          </a:p>
-          <a:p>
-            <a:pPr lvl="1"/>
-            <a:r>
-              <a:rPr lang="en-US" dirty="0"/>
-              <a:t>Testing </a:t>
-            </a:r>
-          </a:p>
-          <a:p>
-            <a:pPr lvl="1"/>
-            <a:r>
-              <a:rPr lang="en-US" dirty="0"/>
-              <a:t>Confusion Matrix on </a:t>
-            </a:r>
-            <a:r>
-              <a:rPr lang="en-US" dirty="0" err="1" smtClean="0"/>
-              <a:t>TestinG</a:t>
-            </a:r>
-            <a:endParaRPr lang="en-US" dirty="0"/>
-          </a:p>
-        </p:txBody>
-      </p:sp>
-    </p:spTree>
-    <p:extLst>
-      <p:ext uri="{BB962C8B-B14F-4D97-AF65-F5344CB8AC3E}">
-        <p14:creationId xmlns:p14="http://schemas.microsoft.com/office/powerpoint/2010/main" val="371108760"/>
-      </p:ext>
-    </p:extLst>
-  </p:cSld>
-  <p:clrMapOvr>
-    <a:masterClrMapping/>
-  </p:clrMapOvr>
-  <p:timing>
-    <p:tnLst>
-      <p:par>
-        <p:cTn id="1" dur="indefinite" restart="never" nodeType="tmRoot"/>
-      </p:par>
-    </p:tnLst>
-  </p:timing>
-</p:sld>
-</file>
-
-<file path=ppt/slides/slide11.xml><?xml version="1.0" encoding="utf-8"?>
-<p:sld xmlns:a="http://schemas.openxmlformats.org/drawingml/2006/main" xmlns:r="http://schemas.openxmlformats.org/officeDocument/2006/relationships" xmlns:p="http://schemas.openxmlformats.org/presentationml/2006/main">
-  <p:cSld>
-    <p:spTree>
-      <p:nvGrpSpPr>
-        <p:cNvPr id="1" name=""/>
-        <p:cNvGrpSpPr/>
-        <p:nvPr/>
-      </p:nvGrpSpPr>
-      <p:grpSpPr>
-        <a:xfrm>
-          <a:off x="0" y="0"/>
-          <a:ext cx="0" cy="0"/>
-          <a:chOff x="0" y="0"/>
-          <a:chExt cx="0" cy="0"/>
-        </a:xfrm>
-      </p:grpSpPr>
-      <p:sp>
-        <p:nvSpPr>
-          <p:cNvPr id="2" name="Title 1"/>
-          <p:cNvSpPr>
-            <a:spLocks noGrp="1"/>
-          </p:cNvSpPr>
-          <p:nvPr>
-            <p:ph type="title"/>
-          </p:nvPr>
-        </p:nvSpPr>
-        <p:spPr/>
-        <p:txBody>
-          <a:bodyPr/>
-          <a:lstStyle/>
-          <a:p>
-            <a:r>
-              <a:rPr lang="en-US" dirty="0"/>
-              <a:t>First Down Models and Results cont.</a:t>
-            </a:r>
-          </a:p>
-        </p:txBody>
-      </p:sp>
-      <p:sp>
-        <p:nvSpPr>
-          <p:cNvPr id="3" name="Content Placeholder 2"/>
-          <p:cNvSpPr>
-            <a:spLocks noGrp="1"/>
-          </p:cNvSpPr>
-          <p:nvPr>
-            <p:ph sz="half" idx="1"/>
-          </p:nvPr>
-        </p:nvSpPr>
-        <p:spPr/>
-        <p:txBody>
-          <a:bodyPr/>
-          <a:lstStyle/>
+              <a:t>Training accuracy = 74%</a:t>
+            </a:r>
+            <a:endParaRPr lang="en-US" dirty="0"/>
+          </a:p>
           <a:p>
             <a:pPr marL="342900" lvl="1" indent="-342900"/>
-            <a:r>
-              <a:rPr lang="en-US" b="1" u="sng" dirty="0" smtClean="0"/>
-              <a:t>Logistic Regression - Binomial</a:t>
-            </a:r>
-            <a:endParaRPr lang="en-US" b="1" u="sng" dirty="0"/>
-          </a:p>
-        </p:txBody>
-      </p:sp>
-      <p:sp>
-        <p:nvSpPr>
-          <p:cNvPr id="4" name="Content Placeholder 3"/>
-          <p:cNvSpPr>
-            <a:spLocks noGrp="1"/>
-          </p:cNvSpPr>
-          <p:nvPr>
-            <p:ph sz="half" idx="2"/>
-          </p:nvPr>
-        </p:nvSpPr>
-        <p:spPr/>
-        <p:txBody>
-          <a:bodyPr/>
-          <a:lstStyle/>
+            <a:endParaRPr lang="en-US" b="1" u="sng" dirty="0" smtClean="0"/>
+          </a:p>
           <a:p>
             <a:pPr marL="342900" lvl="1" indent="-342900"/>
             <a:r>
-              <a:rPr lang="en-US" b="1" u="sng" dirty="0"/>
-              <a:t>Logistic Regression - Penalized</a:t>
-            </a:r>
-          </a:p>
-          <a:p>
-            <a:endParaRPr lang="en-US" dirty="0"/>
-          </a:p>
-        </p:txBody>
-      </p:sp>
-    </p:spTree>
-    <p:extLst>
-      <p:ext uri="{BB962C8B-B14F-4D97-AF65-F5344CB8AC3E}">
-        <p14:creationId xmlns:p14="http://schemas.microsoft.com/office/powerpoint/2010/main" val="1003852304"/>
-      </p:ext>
-    </p:extLst>
-  </p:cSld>
-  <p:clrMapOvr>
-    <a:masterClrMapping/>
-  </p:clrMapOvr>
-  <p:timing>
-    <p:tnLst>
-      <p:par>
-        <p:cTn id="1" dur="indefinite" restart="never" nodeType="tmRoot"/>
-      </p:par>
-    </p:tnLst>
-  </p:timing>
-</p:sld>
-</file>
-
-<file path=ppt/slides/slide12.xml><?xml version="1.0" encoding="utf-8"?>
-<p:sld xmlns:a="http://schemas.openxmlformats.org/drawingml/2006/main" xmlns:r="http://schemas.openxmlformats.org/officeDocument/2006/relationships" xmlns:p="http://schemas.openxmlformats.org/presentationml/2006/main">
-  <p:cSld>
-    <p:spTree>
-      <p:nvGrpSpPr>
-        <p:cNvPr id="1" name=""/>
-        <p:cNvGrpSpPr/>
-        <p:nvPr/>
-      </p:nvGrpSpPr>
-      <p:grpSpPr>
-        <a:xfrm>
-          <a:off x="0" y="0"/>
-          <a:ext cx="0" cy="0"/>
-          <a:chOff x="0" y="0"/>
-          <a:chExt cx="0" cy="0"/>
-        </a:xfrm>
-      </p:grpSpPr>
-      <p:sp>
-        <p:nvSpPr>
-          <p:cNvPr id="2" name="Title 1"/>
-          <p:cNvSpPr>
-            <a:spLocks noGrp="1"/>
-          </p:cNvSpPr>
-          <p:nvPr>
-            <p:ph type="title"/>
-          </p:nvPr>
-        </p:nvSpPr>
-        <p:spPr/>
-        <p:txBody>
-          <a:bodyPr/>
-          <a:lstStyle/>
-          <a:p>
-            <a:r>
-              <a:rPr lang="en-US" dirty="0"/>
-              <a:t>First Down Models and Results cont.</a:t>
-            </a:r>
-          </a:p>
-        </p:txBody>
-      </p:sp>
-      <p:sp>
-        <p:nvSpPr>
-          <p:cNvPr id="3" name="Content Placeholder 2"/>
-          <p:cNvSpPr>
-            <a:spLocks noGrp="1"/>
-          </p:cNvSpPr>
-          <p:nvPr>
-            <p:ph sz="half" idx="1"/>
-          </p:nvPr>
-        </p:nvSpPr>
-        <p:spPr/>
-        <p:txBody>
-          <a:bodyPr/>
-          <a:lstStyle/>
-          <a:p>
-            <a:r>
-              <a:rPr lang="en-US" b="1" u="sng" dirty="0"/>
-              <a:t>KNN</a:t>
-            </a:r>
-          </a:p>
-          <a:p>
-            <a:endParaRPr lang="en-US" dirty="0"/>
-          </a:p>
-        </p:txBody>
-      </p:sp>
-      <p:sp>
-        <p:nvSpPr>
-          <p:cNvPr id="4" name="Content Placeholder 3"/>
-          <p:cNvSpPr>
-            <a:spLocks noGrp="1"/>
-          </p:cNvSpPr>
-          <p:nvPr>
-            <p:ph sz="half" idx="2"/>
-          </p:nvPr>
-        </p:nvSpPr>
-        <p:spPr/>
-        <p:txBody>
-          <a:bodyPr/>
-          <a:lstStyle/>
-          <a:p>
-            <a:r>
-              <a:rPr lang="en-US" b="1" u="sng" dirty="0"/>
-              <a:t>Deep learning</a:t>
-            </a:r>
-            <a:endParaRPr lang="en-US" dirty="0"/>
-          </a:p>
-        </p:txBody>
-      </p:sp>
+              <a:rPr lang="en-US" dirty="0" smtClean="0"/>
+              <a:t>Validation accuracy = 75%</a:t>
+            </a:r>
+          </a:p>
+          <a:p>
+            <a:endParaRPr lang="en-US" dirty="0"/>
+          </a:p>
+        </p:txBody>
+      </p:sp>
+      <p:pic>
+        <p:nvPicPr>
+          <p:cNvPr id="1026" name="Picture 2" descr="NNAccuracy.jpeg"/>
+          <p:cNvPicPr>
+            <a:picLocks noChangeAspect="1" noChangeArrowheads="1"/>
+          </p:cNvPicPr>
+          <p:nvPr/>
+        </p:nvPicPr>
+        <p:blipFill>
+          <a:blip r:embed="rId2">
+            <a:extLst>
+              <a:ext uri="{28A0092B-C50C-407E-A947-70E740481C1C}">
+                <a14:useLocalDpi xmlns:a14="http://schemas.microsoft.com/office/drawing/2010/main" val="0"/>
+              </a:ext>
+            </a:extLst>
+          </a:blip>
+          <a:srcRect/>
+          <a:stretch>
+            <a:fillRect/>
+          </a:stretch>
+        </p:blipFill>
+        <p:spPr bwMode="auto">
+          <a:xfrm>
+            <a:off x="677334" y="1930401"/>
+            <a:ext cx="4416186" cy="3284538"/>
+          </a:xfrm>
+          <a:prstGeom prst="rect">
+            <a:avLst/>
+          </a:prstGeom>
+          <a:noFill/>
+          <a:extLst>
+            <a:ext uri="{909E8E84-426E-40DD-AFC4-6F175D3DCCD1}">
+              <a14:hiddenFill xmlns:a14="http://schemas.microsoft.com/office/drawing/2010/main">
+                <a:solidFill>
+                  <a:srgbClr val="FFFFFF"/>
+                </a:solidFill>
+              </a14:hiddenFill>
+            </a:ext>
+          </a:extLst>
+        </p:spPr>
+      </p:pic>
     </p:spTree>
     <p:extLst>
       <p:ext uri="{BB962C8B-B14F-4D97-AF65-F5344CB8AC3E}">
@@ -6610,8 +6532,8 @@
 </p:sld>
 </file>
 
-<file path=ppt/slides/slide13.xml><?xml version="1.0" encoding="utf-8"?>
-<p:sld xmlns:a="http://schemas.openxmlformats.org/drawingml/2006/main" xmlns:r="http://schemas.openxmlformats.org/officeDocument/2006/relationships" xmlns:p="http://schemas.openxmlformats.org/presentationml/2006/main">
+<file path=ppt/slides/slide11.xml><?xml version="1.0" encoding="utf-8"?>
+<p:sld xmlns:a="http://schemas.openxmlformats.org/drawingml/2006/main" xmlns:r="http://schemas.openxmlformats.org/officeDocument/2006/relationships" xmlns:p="http://schemas.openxmlformats.org/presentationml/2006/main" show="0">
   <p:cSld>
     <p:spTree>
       <p:nvGrpSpPr>
@@ -6643,13 +6565,14 @@
           <a:lstStyle/>
           <a:p>
             <a:r>
+              <a:rPr lang="en-US" dirty="0"/>
+              <a:t>Play Type Models and </a:t>
+            </a:r>
+            <a:r>
               <a:rPr lang="en-US" dirty="0" smtClean="0"/>
-              <a:t>Touchdown Models </a:t>
-            </a:r>
-            <a:r>
-              <a:rPr lang="en-US" dirty="0"/>
-              <a:t>and Results</a:t>
-            </a:r>
+              <a:t>Results</a:t>
+            </a:r>
+            <a:endParaRPr lang="en-US" dirty="0"/>
           </a:p>
         </p:txBody>
       </p:sp>
@@ -6753,13 +6676,21 @@
     </p:spTree>
     <p:extLst>
       <p:ext uri="{BB962C8B-B14F-4D97-AF65-F5344CB8AC3E}">
-        <p14:creationId xmlns:p14="http://schemas.microsoft.com/office/powerpoint/2010/main" val="1036023500"/>
+        <p14:creationId xmlns:p14="http://schemas.microsoft.com/office/powerpoint/2010/main" val="704628196"/>
       </p:ext>
     </p:extLst>
   </p:cSld>
   <p:clrMapOvr>
     <a:masterClrMapping/>
   </p:clrMapOvr>
+  <mc:AlternateContent xmlns:mc="http://schemas.openxmlformats.org/markup-compatibility/2006">
+    <mc:Choice xmlns:p14="http://schemas.microsoft.com/office/powerpoint/2010/main" Requires="p14">
+      <p:transition spd="slow" p14:dur="2000"/>
+    </mc:Choice>
+    <mc:Fallback>
+      <p:transition spd="slow"/>
+    </mc:Fallback>
+  </mc:AlternateContent>
   <p:timing>
     <p:tnLst>
       <p:par>
@@ -6770,8 +6701,8 @@
 </p:sld>
 </file>
 
-<file path=ppt/slides/slide14.xml><?xml version="1.0" encoding="utf-8"?>
-<p:sld xmlns:a="http://schemas.openxmlformats.org/drawingml/2006/main" xmlns:r="http://schemas.openxmlformats.org/officeDocument/2006/relationships" xmlns:p="http://schemas.openxmlformats.org/presentationml/2006/main">
+<file path=ppt/slides/slide12.xml><?xml version="1.0" encoding="utf-8"?>
+<p:sld xmlns:a="http://schemas.openxmlformats.org/drawingml/2006/main" xmlns:r="http://schemas.openxmlformats.org/officeDocument/2006/relationships" xmlns:p="http://schemas.openxmlformats.org/presentationml/2006/main" show="0">
   <p:cSld>
     <p:spTree>
       <p:nvGrpSpPr>
@@ -6803,18 +6734,9 @@
           <a:lstStyle/>
           <a:p>
             <a:r>
-              <a:rPr lang="en-US" dirty="0" smtClean="0"/>
-              <a:t>Touchdown Models </a:t>
-            </a:r>
-            <a:r>
               <a:rPr lang="en-US" dirty="0"/>
-              <a:t>and </a:t>
-            </a:r>
-            <a:r>
-              <a:rPr lang="en-US" dirty="0" smtClean="0"/>
-              <a:t>Results cont.</a:t>
-            </a:r>
-            <a:endParaRPr lang="en-US" dirty="0"/>
+              <a:t>Play Type Models and Results cont.</a:t>
+            </a:r>
           </a:p>
         </p:txBody>
       </p:sp>
@@ -6922,13 +6844,21 @@
     </p:spTree>
     <p:extLst>
       <p:ext uri="{BB962C8B-B14F-4D97-AF65-F5344CB8AC3E}">
-        <p14:creationId xmlns:p14="http://schemas.microsoft.com/office/powerpoint/2010/main" val="649554624"/>
+        <p14:creationId xmlns:p14="http://schemas.microsoft.com/office/powerpoint/2010/main" val="1461260614"/>
       </p:ext>
     </p:extLst>
   </p:cSld>
   <p:clrMapOvr>
     <a:masterClrMapping/>
   </p:clrMapOvr>
+  <mc:AlternateContent xmlns:mc="http://schemas.openxmlformats.org/markup-compatibility/2006">
+    <mc:Choice xmlns:p14="http://schemas.microsoft.com/office/powerpoint/2010/main" Requires="p14">
+      <p:transition spd="slow" p14:dur="2000"/>
+    </mc:Choice>
+    <mc:Fallback>
+      <p:transition spd="slow"/>
+    </mc:Fallback>
+  </mc:AlternateContent>
   <p:timing>
     <p:tnLst>
       <p:par>
@@ -6939,8 +6869,8 @@
 </p:sld>
 </file>
 
-<file path=ppt/slides/slide15.xml><?xml version="1.0" encoding="utf-8"?>
-<p:sld xmlns:a="http://schemas.openxmlformats.org/drawingml/2006/main" xmlns:r="http://schemas.openxmlformats.org/officeDocument/2006/relationships" xmlns:p="http://schemas.openxmlformats.org/presentationml/2006/main">
+<file path=ppt/slides/slide13.xml><?xml version="1.0" encoding="utf-8"?>
+<p:sld xmlns:a="http://schemas.openxmlformats.org/drawingml/2006/main" xmlns:r="http://schemas.openxmlformats.org/officeDocument/2006/relationships" xmlns:p="http://schemas.openxmlformats.org/presentationml/2006/main" show="0">
   <p:cSld>
     <p:spTree>
       <p:nvGrpSpPr>
@@ -6972,12 +6902,8 @@
           <a:lstStyle/>
           <a:p>
             <a:r>
-              <a:rPr lang="en-US" dirty="0" smtClean="0"/>
-              <a:t>Touchdown Models </a:t>
-            </a:r>
-            <a:r>
               <a:rPr lang="en-US" dirty="0"/>
-              <a:t>and Results cont.</a:t>
+              <a:t>Play Type Models and Results cont.</a:t>
             </a:r>
           </a:p>
         </p:txBody>
@@ -7035,13 +6961,21 @@
     </p:spTree>
     <p:extLst>
       <p:ext uri="{BB962C8B-B14F-4D97-AF65-F5344CB8AC3E}">
-        <p14:creationId xmlns:p14="http://schemas.microsoft.com/office/powerpoint/2010/main" val="1405187867"/>
+        <p14:creationId xmlns:p14="http://schemas.microsoft.com/office/powerpoint/2010/main" val="784152406"/>
       </p:ext>
     </p:extLst>
   </p:cSld>
   <p:clrMapOvr>
     <a:masterClrMapping/>
   </p:clrMapOvr>
+  <mc:AlternateContent xmlns:mc="http://schemas.openxmlformats.org/markup-compatibility/2006">
+    <mc:Choice xmlns:p14="http://schemas.microsoft.com/office/powerpoint/2010/main" Requires="p14">
+      <p:transition spd="slow" p14:dur="2000"/>
+    </mc:Choice>
+    <mc:Fallback>
+      <p:transition spd="slow"/>
+    </mc:Fallback>
+  </mc:AlternateContent>
   <p:timing>
     <p:tnLst>
       <p:par>
@@ -7052,8 +6986,8 @@
 </p:sld>
 </file>
 
-<file path=ppt/slides/slide16.xml><?xml version="1.0" encoding="utf-8"?>
-<p:sld xmlns:a="http://schemas.openxmlformats.org/drawingml/2006/main" xmlns:r="http://schemas.openxmlformats.org/officeDocument/2006/relationships" xmlns:p="http://schemas.openxmlformats.org/presentationml/2006/main">
+<file path=ppt/slides/slide14.xml><?xml version="1.0" encoding="utf-8"?>
+<p:sld xmlns:a="http://schemas.openxmlformats.org/drawingml/2006/main" xmlns:r="http://schemas.openxmlformats.org/officeDocument/2006/relationships" xmlns:p="http://schemas.openxmlformats.org/presentationml/2006/main" show="0">
   <p:cSld>
     <p:spTree>
       <p:nvGrpSpPr>
@@ -7086,7 +7020,7 @@
           <a:p>
             <a:r>
               <a:rPr lang="en-US" dirty="0" smtClean="0"/>
-              <a:t>Touchdown Models </a:t>
+              <a:t>Play Type Models </a:t>
             </a:r>
             <a:r>
               <a:rPr lang="en-US" dirty="0"/>
@@ -7146,13 +7080,21 @@
     </p:spTree>
     <p:extLst>
       <p:ext uri="{BB962C8B-B14F-4D97-AF65-F5344CB8AC3E}">
-        <p14:creationId xmlns:p14="http://schemas.microsoft.com/office/powerpoint/2010/main" val="1114814610"/>
+        <p14:creationId xmlns:p14="http://schemas.microsoft.com/office/powerpoint/2010/main" val="142346003"/>
       </p:ext>
     </p:extLst>
   </p:cSld>
   <p:clrMapOvr>
     <a:masterClrMapping/>
   </p:clrMapOvr>
+  <mc:AlternateContent xmlns:mc="http://schemas.openxmlformats.org/markup-compatibility/2006">
+    <mc:Choice xmlns:p14="http://schemas.microsoft.com/office/powerpoint/2010/main" Requires="p14">
+      <p:transition spd="slow" p14:dur="2000"/>
+    </mc:Choice>
+    <mc:Fallback>
+      <p:transition spd="slow"/>
+    </mc:Fallback>
+  </mc:AlternateContent>
   <p:timing>
     <p:tnLst>
       <p:par>
@@ -7163,8 +7105,8 @@
 </p:sld>
 </file>
 
-<file path=ppt/slides/slide17.xml><?xml version="1.0" encoding="utf-8"?>
-<p:sld xmlns:a="http://schemas.openxmlformats.org/drawingml/2006/main" xmlns:r="http://schemas.openxmlformats.org/officeDocument/2006/relationships" xmlns:p="http://schemas.openxmlformats.org/presentationml/2006/main">
+<file path=ppt/slides/slide15.xml><?xml version="1.0" encoding="utf-8"?>
+<p:sld xmlns:a="http://schemas.openxmlformats.org/drawingml/2006/main" xmlns:r="http://schemas.openxmlformats.org/officeDocument/2006/relationships" xmlns:p="http://schemas.openxmlformats.org/presentationml/2006/main" show="0">
   <p:cSld>
     <p:spTree>
       <p:nvGrpSpPr>
@@ -7197,7 +7139,7 @@
           <a:p>
             <a:r>
               <a:rPr lang="en-US" dirty="0" smtClean="0"/>
-              <a:t>Yards Gained Models </a:t>
+              <a:t>Touchdown Models </a:t>
             </a:r>
             <a:r>
               <a:rPr lang="en-US" dirty="0"/>
@@ -7241,11 +7183,7 @@
               <a:rPr lang="en-US" dirty="0"/>
               <a:t>Testing Accuracy : </a:t>
             </a:r>
-            <a:r>
-              <a:rPr lang="en-US" dirty="0" smtClean="0"/>
-              <a:t>0. </a:t>
-            </a:r>
-            <a:endParaRPr lang="en-US" dirty="0"/>
+            <a:endParaRPr lang="en-US" dirty="0" smtClean="0"/>
           </a:p>
           <a:p>
             <a:pPr lvl="1">
@@ -7310,13 +7248,21 @@
     </p:spTree>
     <p:extLst>
       <p:ext uri="{BB962C8B-B14F-4D97-AF65-F5344CB8AC3E}">
-        <p14:creationId xmlns:p14="http://schemas.microsoft.com/office/powerpoint/2010/main" val="1981187763"/>
+        <p14:creationId xmlns:p14="http://schemas.microsoft.com/office/powerpoint/2010/main" val="1036023500"/>
       </p:ext>
     </p:extLst>
   </p:cSld>
   <p:clrMapOvr>
     <a:masterClrMapping/>
   </p:clrMapOvr>
+  <mc:AlternateContent xmlns:mc="http://schemas.openxmlformats.org/markup-compatibility/2006">
+    <mc:Choice xmlns:p14="http://schemas.microsoft.com/office/powerpoint/2010/main" Requires="p14">
+      <p:transition spd="slow" p14:dur="2000"/>
+    </mc:Choice>
+    <mc:Fallback>
+      <p:transition spd="slow"/>
+    </mc:Fallback>
+  </mc:AlternateContent>
   <p:timing>
     <p:tnLst>
       <p:par>
@@ -7327,8 +7273,8 @@
 </p:sld>
 </file>
 
-<file path=ppt/slides/slide18.xml><?xml version="1.0" encoding="utf-8"?>
-<p:sld xmlns:a="http://schemas.openxmlformats.org/drawingml/2006/main" xmlns:r="http://schemas.openxmlformats.org/officeDocument/2006/relationships" xmlns:p="http://schemas.openxmlformats.org/presentationml/2006/main">
+<file path=ppt/slides/slide16.xml><?xml version="1.0" encoding="utf-8"?>
+<p:sld xmlns:a="http://schemas.openxmlformats.org/drawingml/2006/main" xmlns:r="http://schemas.openxmlformats.org/officeDocument/2006/relationships" xmlns:p="http://schemas.openxmlformats.org/presentationml/2006/main" show="0">
   <p:cSld>
     <p:spTree>
       <p:nvGrpSpPr>
@@ -7361,7 +7307,7 @@
           <a:p>
             <a:r>
               <a:rPr lang="en-US" dirty="0" smtClean="0"/>
-              <a:t>Yards Gained Models </a:t>
+              <a:t>Touchdown Models </a:t>
             </a:r>
             <a:r>
               <a:rPr lang="en-US" dirty="0"/>
@@ -7479,13 +7425,21 @@
     </p:spTree>
     <p:extLst>
       <p:ext uri="{BB962C8B-B14F-4D97-AF65-F5344CB8AC3E}">
-        <p14:creationId xmlns:p14="http://schemas.microsoft.com/office/powerpoint/2010/main" val="1088786006"/>
+        <p14:creationId xmlns:p14="http://schemas.microsoft.com/office/powerpoint/2010/main" val="649554624"/>
       </p:ext>
     </p:extLst>
   </p:cSld>
   <p:clrMapOvr>
     <a:masterClrMapping/>
   </p:clrMapOvr>
+  <mc:AlternateContent xmlns:mc="http://schemas.openxmlformats.org/markup-compatibility/2006">
+    <mc:Choice xmlns:p14="http://schemas.microsoft.com/office/powerpoint/2010/main" Requires="p14">
+      <p:transition spd="slow" p14:dur="2000"/>
+    </mc:Choice>
+    <mc:Fallback>
+      <p:transition spd="slow"/>
+    </mc:Fallback>
+  </mc:AlternateContent>
   <p:timing>
     <p:tnLst>
       <p:par>
@@ -7496,8 +7450,8 @@
 </p:sld>
 </file>
 
-<file path=ppt/slides/slide19.xml><?xml version="1.0" encoding="utf-8"?>
-<p:sld xmlns:a="http://schemas.openxmlformats.org/drawingml/2006/main" xmlns:r="http://schemas.openxmlformats.org/officeDocument/2006/relationships" xmlns:p="http://schemas.openxmlformats.org/presentationml/2006/main">
+<file path=ppt/slides/slide17.xml><?xml version="1.0" encoding="utf-8"?>
+<p:sld xmlns:a="http://schemas.openxmlformats.org/drawingml/2006/main" xmlns:r="http://schemas.openxmlformats.org/officeDocument/2006/relationships" xmlns:p="http://schemas.openxmlformats.org/presentationml/2006/main" show="0">
   <p:cSld>
     <p:spTree>
       <p:nvGrpSpPr>
@@ -7530,7 +7484,7 @@
           <a:p>
             <a:r>
               <a:rPr lang="en-US" dirty="0" smtClean="0"/>
-              <a:t>Yards Gained Models </a:t>
+              <a:t>Touchdown Models </a:t>
             </a:r>
             <a:r>
               <a:rPr lang="en-US" dirty="0"/>
@@ -7592,13 +7546,312 @@
     </p:spTree>
     <p:extLst>
       <p:ext uri="{BB962C8B-B14F-4D97-AF65-F5344CB8AC3E}">
-        <p14:creationId xmlns:p14="http://schemas.microsoft.com/office/powerpoint/2010/main" val="518246755"/>
+        <p14:creationId xmlns:p14="http://schemas.microsoft.com/office/powerpoint/2010/main" val="1405187867"/>
       </p:ext>
     </p:extLst>
   </p:cSld>
   <p:clrMapOvr>
     <a:masterClrMapping/>
   </p:clrMapOvr>
+  <mc:AlternateContent xmlns:mc="http://schemas.openxmlformats.org/markup-compatibility/2006">
+    <mc:Choice xmlns:p14="http://schemas.microsoft.com/office/powerpoint/2010/main" Requires="p14">
+      <p:transition spd="slow" p14:dur="2000"/>
+    </mc:Choice>
+    <mc:Fallback>
+      <p:transition spd="slow"/>
+    </mc:Fallback>
+  </mc:AlternateContent>
+  <p:timing>
+    <p:tnLst>
+      <p:par>
+        <p:cTn id="1" dur="indefinite" restart="never" nodeType="tmRoot"/>
+      </p:par>
+    </p:tnLst>
+  </p:timing>
+</p:sld>
+</file>
+
+<file path=ppt/slides/slide18.xml><?xml version="1.0" encoding="utf-8"?>
+<p:sld xmlns:a="http://schemas.openxmlformats.org/drawingml/2006/main" xmlns:r="http://schemas.openxmlformats.org/officeDocument/2006/relationships" xmlns:p="http://schemas.openxmlformats.org/presentationml/2006/main" show="0">
+  <p:cSld>
+    <p:spTree>
+      <p:nvGrpSpPr>
+        <p:cNvPr id="1" name=""/>
+        <p:cNvGrpSpPr/>
+        <p:nvPr/>
+      </p:nvGrpSpPr>
+      <p:grpSpPr>
+        <a:xfrm>
+          <a:off x="0" y="0"/>
+          <a:ext cx="0" cy="0"/>
+          <a:chOff x="0" y="0"/>
+          <a:chExt cx="0" cy="0"/>
+        </a:xfrm>
+      </p:grpSpPr>
+      <p:sp>
+        <p:nvSpPr>
+          <p:cNvPr id="2" name="Title 1"/>
+          <p:cNvSpPr>
+            <a:spLocks noGrp="1"/>
+          </p:cNvSpPr>
+          <p:nvPr>
+            <p:ph type="title"/>
+          </p:nvPr>
+        </p:nvSpPr>
+        <p:spPr/>
+        <p:txBody>
+          <a:bodyPr/>
+          <a:lstStyle/>
+          <a:p>
+            <a:r>
+              <a:rPr lang="en-US" dirty="0" smtClean="0"/>
+              <a:t>Touchdown Models </a:t>
+            </a:r>
+            <a:r>
+              <a:rPr lang="en-US" dirty="0"/>
+              <a:t>and Results cont.</a:t>
+            </a:r>
+          </a:p>
+        </p:txBody>
+      </p:sp>
+      <p:sp>
+        <p:nvSpPr>
+          <p:cNvPr id="3" name="Content Placeholder 2"/>
+          <p:cNvSpPr>
+            <a:spLocks noGrp="1"/>
+          </p:cNvSpPr>
+          <p:nvPr>
+            <p:ph sz="half" idx="1"/>
+          </p:nvPr>
+        </p:nvSpPr>
+        <p:spPr/>
+        <p:txBody>
+          <a:bodyPr/>
+          <a:lstStyle/>
+          <a:p>
+            <a:r>
+              <a:rPr lang="en-US" b="1" u="sng" dirty="0"/>
+              <a:t>KNN</a:t>
+            </a:r>
+          </a:p>
+          <a:p>
+            <a:endParaRPr lang="en-US" dirty="0"/>
+          </a:p>
+        </p:txBody>
+      </p:sp>
+      <p:sp>
+        <p:nvSpPr>
+          <p:cNvPr id="4" name="Content Placeholder 3"/>
+          <p:cNvSpPr>
+            <a:spLocks noGrp="1"/>
+          </p:cNvSpPr>
+          <p:nvPr>
+            <p:ph sz="half" idx="2"/>
+          </p:nvPr>
+        </p:nvSpPr>
+        <p:spPr/>
+        <p:txBody>
+          <a:bodyPr/>
+          <a:lstStyle/>
+          <a:p>
+            <a:r>
+              <a:rPr lang="en-US" b="1" u="sng" dirty="0"/>
+              <a:t>Deep learning</a:t>
+            </a:r>
+            <a:endParaRPr lang="en-US" dirty="0"/>
+          </a:p>
+        </p:txBody>
+      </p:sp>
+    </p:spTree>
+    <p:extLst>
+      <p:ext uri="{BB962C8B-B14F-4D97-AF65-F5344CB8AC3E}">
+        <p14:creationId xmlns:p14="http://schemas.microsoft.com/office/powerpoint/2010/main" val="1114814610"/>
+      </p:ext>
+    </p:extLst>
+  </p:cSld>
+  <p:clrMapOvr>
+    <a:masterClrMapping/>
+  </p:clrMapOvr>
+  <mc:AlternateContent xmlns:mc="http://schemas.openxmlformats.org/markup-compatibility/2006">
+    <mc:Choice xmlns:p14="http://schemas.microsoft.com/office/powerpoint/2010/main" Requires="p14">
+      <p:transition spd="slow" p14:dur="2000"/>
+    </mc:Choice>
+    <mc:Fallback>
+      <p:transition spd="slow"/>
+    </mc:Fallback>
+  </mc:AlternateContent>
+  <p:timing>
+    <p:tnLst>
+      <p:par>
+        <p:cTn id="1" dur="indefinite" restart="never" nodeType="tmRoot"/>
+      </p:par>
+    </p:tnLst>
+  </p:timing>
+</p:sld>
+</file>
+
+<file path=ppt/slides/slide19.xml><?xml version="1.0" encoding="utf-8"?>
+<p:sld xmlns:a="http://schemas.openxmlformats.org/drawingml/2006/main" xmlns:r="http://schemas.openxmlformats.org/officeDocument/2006/relationships" xmlns:p="http://schemas.openxmlformats.org/presentationml/2006/main" show="0">
+  <p:cSld>
+    <p:spTree>
+      <p:nvGrpSpPr>
+        <p:cNvPr id="1" name=""/>
+        <p:cNvGrpSpPr/>
+        <p:nvPr/>
+      </p:nvGrpSpPr>
+      <p:grpSpPr>
+        <a:xfrm>
+          <a:off x="0" y="0"/>
+          <a:ext cx="0" cy="0"/>
+          <a:chOff x="0" y="0"/>
+          <a:chExt cx="0" cy="0"/>
+        </a:xfrm>
+      </p:grpSpPr>
+      <p:sp>
+        <p:nvSpPr>
+          <p:cNvPr id="2" name="Title 1"/>
+          <p:cNvSpPr>
+            <a:spLocks noGrp="1"/>
+          </p:cNvSpPr>
+          <p:nvPr>
+            <p:ph type="title"/>
+          </p:nvPr>
+        </p:nvSpPr>
+        <p:spPr/>
+        <p:txBody>
+          <a:bodyPr/>
+          <a:lstStyle/>
+          <a:p>
+            <a:r>
+              <a:rPr lang="en-US" dirty="0" smtClean="0"/>
+              <a:t>Yards Gained Models </a:t>
+            </a:r>
+            <a:r>
+              <a:rPr lang="en-US" dirty="0"/>
+              <a:t>and Results</a:t>
+            </a:r>
+          </a:p>
+        </p:txBody>
+      </p:sp>
+      <p:sp>
+        <p:nvSpPr>
+          <p:cNvPr id="3" name="Content Placeholder 2"/>
+          <p:cNvSpPr>
+            <a:spLocks noGrp="1"/>
+          </p:cNvSpPr>
+          <p:nvPr>
+            <p:ph sz="half" idx="1"/>
+          </p:nvPr>
+        </p:nvSpPr>
+        <p:spPr/>
+        <p:txBody>
+          <a:bodyPr/>
+          <a:lstStyle/>
+          <a:p>
+            <a:pPr>
+              <a:lnSpc>
+                <a:spcPct val="150000"/>
+              </a:lnSpc>
+            </a:pPr>
+            <a:r>
+              <a:rPr lang="en-US" b="1" u="sng" dirty="0"/>
+              <a:t>Decision tree</a:t>
+            </a:r>
+          </a:p>
+          <a:p>
+            <a:pPr lvl="1">
+              <a:lnSpc>
+                <a:spcPct val="150000"/>
+              </a:lnSpc>
+            </a:pPr>
+            <a:r>
+              <a:rPr lang="en-US" dirty="0"/>
+              <a:t>Testing Accuracy : </a:t>
+            </a:r>
+            <a:r>
+              <a:rPr lang="en-US" dirty="0" smtClean="0"/>
+              <a:t>0. </a:t>
+            </a:r>
+            <a:endParaRPr lang="en-US" dirty="0"/>
+          </a:p>
+          <a:p>
+            <a:pPr lvl="1">
+              <a:lnSpc>
+                <a:spcPct val="150000"/>
+              </a:lnSpc>
+            </a:pPr>
+            <a:r>
+              <a:rPr lang="en-US" dirty="0" smtClean="0"/>
+              <a:t>Confusion </a:t>
+            </a:r>
+            <a:r>
+              <a:rPr lang="en-US" dirty="0"/>
+              <a:t>Matrix on Testing</a:t>
+            </a:r>
+          </a:p>
+          <a:p>
+            <a:endParaRPr lang="en-US" dirty="0"/>
+          </a:p>
+        </p:txBody>
+      </p:sp>
+      <p:sp>
+        <p:nvSpPr>
+          <p:cNvPr id="4" name="Content Placeholder 3"/>
+          <p:cNvSpPr>
+            <a:spLocks noGrp="1"/>
+          </p:cNvSpPr>
+          <p:nvPr>
+            <p:ph sz="half" idx="2"/>
+          </p:nvPr>
+        </p:nvSpPr>
+        <p:spPr/>
+        <p:txBody>
+          <a:bodyPr/>
+          <a:lstStyle/>
+          <a:p>
+            <a:r>
+              <a:rPr lang="en-US" b="1" u="sng" dirty="0"/>
+              <a:t>Random forest</a:t>
+            </a:r>
+            <a:endParaRPr lang="en-US" dirty="0"/>
+          </a:p>
+          <a:p>
+            <a:pPr lvl="1"/>
+            <a:r>
+              <a:rPr lang="en-US" dirty="0"/>
+              <a:t>Testing </a:t>
+            </a:r>
+          </a:p>
+          <a:p>
+            <a:pPr lvl="1"/>
+            <a:r>
+              <a:rPr lang="en-US" dirty="0"/>
+              <a:t>Confusion Matrix on Testing</a:t>
+            </a:r>
+          </a:p>
+          <a:p>
+            <a:endParaRPr lang="en-US" dirty="0"/>
+          </a:p>
+        </p:txBody>
+      </p:sp>
+    </p:spTree>
+    <p:extLst>
+      <p:ext uri="{BB962C8B-B14F-4D97-AF65-F5344CB8AC3E}">
+        <p14:creationId xmlns:p14="http://schemas.microsoft.com/office/powerpoint/2010/main" val="1981187763"/>
+      </p:ext>
+    </p:extLst>
+  </p:cSld>
+  <p:clrMapOvr>
+    <a:masterClrMapping/>
+  </p:clrMapOvr>
+  <mc:AlternateContent xmlns:mc="http://schemas.openxmlformats.org/markup-compatibility/2006">
+    <mc:Choice xmlns:p14="http://schemas.microsoft.com/office/powerpoint/2010/main" Requires="p14">
+      <p:transition spd="slow" p14:dur="2000"/>
+    </mc:Choice>
+    <mc:Fallback>
+      <p:transition spd="slow"/>
+    </mc:Fallback>
+  </mc:AlternateContent>
   <p:timing>
     <p:tnLst>
       <p:par>
@@ -7774,11 +8027,18 @@
   <p:clrMapOvr>
     <a:masterClrMapping/>
   </p:clrMapOvr>
+  <p:timing>
+    <p:tnLst>
+      <p:par>
+        <p:cTn id="1" dur="indefinite" restart="never" nodeType="tmRoot"/>
+      </p:par>
+    </p:tnLst>
+  </p:timing>
 </p:sld>
 </file>
 
 <file path=ppt/slides/slide20.xml><?xml version="1.0" encoding="utf-8"?>
-<p:sld xmlns:a="http://schemas.openxmlformats.org/drawingml/2006/main" xmlns:r="http://schemas.openxmlformats.org/officeDocument/2006/relationships" xmlns:p="http://schemas.openxmlformats.org/presentationml/2006/main">
+<p:sld xmlns:a="http://schemas.openxmlformats.org/drawingml/2006/main" xmlns:r="http://schemas.openxmlformats.org/officeDocument/2006/relationships" xmlns:p="http://schemas.openxmlformats.org/presentationml/2006/main" show="0">
   <p:cSld>
     <p:spTree>
       <p:nvGrpSpPr>
@@ -7815,8 +8075,13 @@
             </a:r>
             <a:r>
               <a:rPr lang="en-US" dirty="0"/>
-              <a:t>and Results cont.</a:t>
-            </a:r>
+              <a:t>and </a:t>
+            </a:r>
+            <a:r>
+              <a:rPr lang="en-US" dirty="0" smtClean="0"/>
+              <a:t>Results cont.</a:t>
+            </a:r>
+            <a:endParaRPr lang="en-US" dirty="0"/>
           </a:p>
         </p:txBody>
       </p:sp>
@@ -7836,33 +8101,86 @@
           <a:lstStyle/>
           <a:p>
             <a:r>
+              <a:rPr lang="en-US" b="1" u="sng" dirty="0" smtClean="0"/>
+              <a:t>SVM </a:t>
+            </a:r>
+            <a:r>
+              <a:rPr lang="mr-IN" b="1" u="sng" dirty="0" smtClean="0"/>
+              <a:t>–</a:t>
+            </a:r>
+            <a:r>
+              <a:rPr lang="en-US" b="1" u="sng" dirty="0" smtClean="0"/>
+              <a:t> Poly</a:t>
+            </a:r>
+          </a:p>
+          <a:p>
+            <a:pPr lvl="1"/>
+            <a:r>
+              <a:rPr lang="en-US" dirty="0"/>
+              <a:t>Testing </a:t>
+            </a:r>
+          </a:p>
+          <a:p>
+            <a:pPr lvl="1"/>
+            <a:r>
+              <a:rPr lang="en-US" dirty="0"/>
+              <a:t>Confusion Matrix on </a:t>
+            </a:r>
+            <a:r>
+              <a:rPr lang="en-US" dirty="0" smtClean="0"/>
+              <a:t>Testing</a:t>
+            </a:r>
+            <a:endParaRPr lang="en-US" b="1" u="sng" dirty="0"/>
+          </a:p>
+          <a:p>
+            <a:endParaRPr lang="en-US" dirty="0"/>
+          </a:p>
+        </p:txBody>
+      </p:sp>
+      <p:sp>
+        <p:nvSpPr>
+          <p:cNvPr id="4" name="Content Placeholder 3"/>
+          <p:cNvSpPr>
+            <a:spLocks noGrp="1"/>
+          </p:cNvSpPr>
+          <p:nvPr>
+            <p:ph sz="half" idx="2"/>
+          </p:nvPr>
+        </p:nvSpPr>
+        <p:spPr/>
+        <p:txBody>
+          <a:bodyPr/>
+          <a:lstStyle/>
+          <a:p>
+            <a:r>
               <a:rPr lang="en-US" b="1" u="sng" dirty="0"/>
-              <a:t>KNN</a:t>
-            </a:r>
-          </a:p>
-          <a:p>
-            <a:endParaRPr lang="en-US" dirty="0"/>
-          </a:p>
-        </p:txBody>
-      </p:sp>
-      <p:sp>
-        <p:nvSpPr>
-          <p:cNvPr id="4" name="Content Placeholder 3"/>
-          <p:cNvSpPr>
-            <a:spLocks noGrp="1"/>
-          </p:cNvSpPr>
-          <p:nvPr>
-            <p:ph sz="half" idx="2"/>
-          </p:nvPr>
-        </p:nvSpPr>
-        <p:spPr/>
-        <p:txBody>
-          <a:bodyPr/>
-          <a:lstStyle/>
-          <a:p>
-            <a:r>
-              <a:rPr lang="en-US" b="1" u="sng" dirty="0"/>
-              <a:t>Deep learning</a:t>
+              <a:t>SVM </a:t>
+            </a:r>
+            <a:r>
+              <a:rPr lang="mr-IN" b="1" u="sng" dirty="0" smtClean="0"/>
+              <a:t>–</a:t>
+            </a:r>
+            <a:r>
+              <a:rPr lang="en-US" b="1" u="sng" dirty="0" smtClean="0"/>
+              <a:t> Radial</a:t>
+            </a:r>
+          </a:p>
+          <a:p>
+            <a:pPr lvl="1"/>
+            <a:r>
+              <a:rPr lang="en-US" dirty="0"/>
+              <a:t>Testing </a:t>
+            </a:r>
+          </a:p>
+          <a:p>
+            <a:pPr lvl="1"/>
+            <a:r>
+              <a:rPr lang="en-US" dirty="0"/>
+              <a:t>Confusion Matrix on </a:t>
+            </a:r>
+            <a:r>
+              <a:rPr lang="en-US" dirty="0" err="1" smtClean="0"/>
+              <a:t>TestinG</a:t>
             </a:r>
             <a:endParaRPr lang="en-US" dirty="0"/>
           </a:p>
@@ -7871,13 +8189,21 @@
     </p:spTree>
     <p:extLst>
       <p:ext uri="{BB962C8B-B14F-4D97-AF65-F5344CB8AC3E}">
-        <p14:creationId xmlns:p14="http://schemas.microsoft.com/office/powerpoint/2010/main" val="2127022700"/>
+        <p14:creationId xmlns:p14="http://schemas.microsoft.com/office/powerpoint/2010/main" val="1088786006"/>
       </p:ext>
     </p:extLst>
   </p:cSld>
   <p:clrMapOvr>
     <a:masterClrMapping/>
   </p:clrMapOvr>
+  <mc:AlternateContent xmlns:mc="http://schemas.openxmlformats.org/markup-compatibility/2006">
+    <mc:Choice xmlns:p14="http://schemas.microsoft.com/office/powerpoint/2010/main" Requires="p14">
+      <p:transition spd="slow" p14:dur="2000"/>
+    </mc:Choice>
+    <mc:Fallback>
+      <p:transition spd="slow"/>
+    </mc:Fallback>
+  </mc:AlternateContent>
   <p:timing>
     <p:tnLst>
       <p:par>
@@ -7889,7 +8215,7 @@
 </file>
 
 <file path=ppt/slides/slide21.xml><?xml version="1.0" encoding="utf-8"?>
-<p:sld xmlns:a="http://schemas.openxmlformats.org/drawingml/2006/main" xmlns:r="http://schemas.openxmlformats.org/officeDocument/2006/relationships" xmlns:p="http://schemas.openxmlformats.org/presentationml/2006/main">
+<p:sld xmlns:a="http://schemas.openxmlformats.org/drawingml/2006/main" xmlns:r="http://schemas.openxmlformats.org/officeDocument/2006/relationships" xmlns:p="http://schemas.openxmlformats.org/presentationml/2006/main" show="0">
   <p:cSld>
     <p:spTree>
       <p:nvGrpSpPr>
@@ -7922,11 +8248,11 @@
           <a:p>
             <a:r>
               <a:rPr lang="en-US" dirty="0" smtClean="0"/>
-              <a:t>Reception Models </a:t>
+              <a:t>Yards Gained Models </a:t>
             </a:r>
             <a:r>
               <a:rPr lang="en-US" dirty="0"/>
-              <a:t>and Results</a:t>
+              <a:t>and Results cont.</a:t>
             </a:r>
           </a:p>
         </p:txBody>
@@ -7946,85 +8272,34 @@
           <a:bodyPr/>
           <a:lstStyle/>
           <a:p>
-            <a:pPr>
-              <a:lnSpc>
-                <a:spcPct val="150000"/>
-              </a:lnSpc>
-            </a:pPr>
+            <a:pPr marL="342900" lvl="1" indent="-342900"/>
+            <a:r>
+              <a:rPr lang="en-US" b="1" u="sng" dirty="0" smtClean="0"/>
+              <a:t>Logistic Regression - Binomial</a:t>
+            </a:r>
+            <a:endParaRPr lang="en-US" b="1" u="sng" dirty="0"/>
+          </a:p>
+        </p:txBody>
+      </p:sp>
+      <p:sp>
+        <p:nvSpPr>
+          <p:cNvPr id="4" name="Content Placeholder 3"/>
+          <p:cNvSpPr>
+            <a:spLocks noGrp="1"/>
+          </p:cNvSpPr>
+          <p:nvPr>
+            <p:ph sz="half" idx="2"/>
+          </p:nvPr>
+        </p:nvSpPr>
+        <p:spPr/>
+        <p:txBody>
+          <a:bodyPr/>
+          <a:lstStyle/>
+          <a:p>
+            <a:pPr marL="342900" lvl="1" indent="-342900"/>
             <a:r>
               <a:rPr lang="en-US" b="1" u="sng" dirty="0"/>
-              <a:t>Decision tree</a:t>
-            </a:r>
-          </a:p>
-          <a:p>
-            <a:pPr lvl="1">
-              <a:lnSpc>
-                <a:spcPct val="150000"/>
-              </a:lnSpc>
-            </a:pPr>
-            <a:r>
-              <a:rPr lang="en-US" dirty="0"/>
-              <a:t>Testing Accuracy : </a:t>
-            </a:r>
-            <a:r>
-              <a:rPr lang="en-US" dirty="0" smtClean="0"/>
-              <a:t>0. </a:t>
-            </a:r>
-            <a:endParaRPr lang="en-US" dirty="0"/>
-          </a:p>
-          <a:p>
-            <a:pPr lvl="1">
-              <a:lnSpc>
-                <a:spcPct val="150000"/>
-              </a:lnSpc>
-            </a:pPr>
-            <a:r>
-              <a:rPr lang="en-US" dirty="0" smtClean="0"/>
-              <a:t>Confusion </a:t>
-            </a:r>
-            <a:r>
-              <a:rPr lang="en-US" dirty="0"/>
-              <a:t>Matrix on Testing</a:t>
-            </a:r>
-          </a:p>
-          <a:p>
-            <a:endParaRPr lang="en-US" dirty="0"/>
-          </a:p>
-        </p:txBody>
-      </p:sp>
-      <p:sp>
-        <p:nvSpPr>
-          <p:cNvPr id="4" name="Content Placeholder 3"/>
-          <p:cNvSpPr>
-            <a:spLocks noGrp="1"/>
-          </p:cNvSpPr>
-          <p:nvPr>
-            <p:ph sz="half" idx="2"/>
-          </p:nvPr>
-        </p:nvSpPr>
-        <p:spPr/>
-        <p:txBody>
-          <a:bodyPr/>
-          <a:lstStyle/>
-          <a:p>
-            <a:r>
-              <a:rPr lang="en-US" b="1" u="sng" dirty="0"/>
-              <a:t>Random forest</a:t>
-            </a:r>
-            <a:endParaRPr lang="en-US" dirty="0"/>
-          </a:p>
-          <a:p>
-            <a:pPr lvl="1"/>
-            <a:r>
-              <a:rPr lang="en-US" dirty="0"/>
-              <a:t>Testing </a:t>
-            </a:r>
-          </a:p>
-          <a:p>
-            <a:pPr lvl="1"/>
-            <a:r>
-              <a:rPr lang="en-US" dirty="0"/>
-              <a:t>Confusion Matrix on Testing</a:t>
+              <a:t>Logistic Regression - Penalized</a:t>
             </a:r>
           </a:p>
           <a:p>
@@ -8035,13 +8310,21 @@
     </p:spTree>
     <p:extLst>
       <p:ext uri="{BB962C8B-B14F-4D97-AF65-F5344CB8AC3E}">
-        <p14:creationId xmlns:p14="http://schemas.microsoft.com/office/powerpoint/2010/main" val="1088287288"/>
+        <p14:creationId xmlns:p14="http://schemas.microsoft.com/office/powerpoint/2010/main" val="518246755"/>
       </p:ext>
     </p:extLst>
   </p:cSld>
   <p:clrMapOvr>
     <a:masterClrMapping/>
   </p:clrMapOvr>
+  <mc:AlternateContent xmlns:mc="http://schemas.openxmlformats.org/markup-compatibility/2006">
+    <mc:Choice xmlns:p14="http://schemas.microsoft.com/office/powerpoint/2010/main" Requires="p14">
+      <p:transition spd="slow" p14:dur="2000"/>
+    </mc:Choice>
+    <mc:Fallback>
+      <p:transition spd="slow"/>
+    </mc:Fallback>
+  </mc:AlternateContent>
   <p:timing>
     <p:tnLst>
       <p:par>
@@ -8053,7 +8336,7 @@
 </file>
 
 <file path=ppt/slides/slide22.xml><?xml version="1.0" encoding="utf-8"?>
-<p:sld xmlns:a="http://schemas.openxmlformats.org/drawingml/2006/main" xmlns:r="http://schemas.openxmlformats.org/officeDocument/2006/relationships" xmlns:p="http://schemas.openxmlformats.org/presentationml/2006/main">
+<p:sld xmlns:a="http://schemas.openxmlformats.org/drawingml/2006/main" xmlns:r="http://schemas.openxmlformats.org/officeDocument/2006/relationships" xmlns:p="http://schemas.openxmlformats.org/presentationml/2006/main" show="0">
   <p:cSld>
     <p:spTree>
       <p:nvGrpSpPr>
@@ -8086,17 +8369,12 @@
           <a:p>
             <a:r>
               <a:rPr lang="en-US" dirty="0" smtClean="0"/>
-              <a:t>Reception Models </a:t>
+              <a:t>Yards Gained Models </a:t>
             </a:r>
             <a:r>
               <a:rPr lang="en-US" dirty="0"/>
-              <a:t>and </a:t>
-            </a:r>
-            <a:r>
-              <a:rPr lang="en-US" dirty="0" smtClean="0"/>
-              <a:t>Results cont.</a:t>
-            </a:r>
-            <a:endParaRPr lang="en-US" dirty="0"/>
+              <a:t>and Results cont.</a:t>
+            </a:r>
           </a:p>
         </p:txBody>
       </p:sp>
@@ -8116,36 +8394,9 @@
           <a:lstStyle/>
           <a:p>
             <a:r>
-              <a:rPr lang="en-US" b="1" u="sng" dirty="0" smtClean="0"/>
-              <a:t>SVM </a:t>
-            </a:r>
-            <a:r>
-              <a:rPr lang="mr-IN" b="1" u="sng" dirty="0" smtClean="0"/>
-              <a:t>–</a:t>
-            </a:r>
-            <a:r>
-              <a:rPr lang="en-US" b="1" u="sng" dirty="0" smtClean="0"/>
-              <a:t> Poly</a:t>
-            </a:r>
-          </a:p>
-          <a:p>
-            <a:pPr lvl="1"/>
-            <a:r>
-              <a:rPr lang="en-US" dirty="0"/>
-              <a:t>Testing </a:t>
-            </a:r>
-          </a:p>
-          <a:p>
-            <a:pPr lvl="1"/>
-            <a:r>
-              <a:rPr lang="en-US" dirty="0"/>
-              <a:t>Confusion Matrix on </a:t>
-            </a:r>
-            <a:r>
-              <a:rPr lang="en-US" dirty="0" smtClean="0"/>
-              <a:t>Testing</a:t>
-            </a:r>
-            <a:endParaRPr lang="en-US" b="1" u="sng" dirty="0"/>
+              <a:rPr lang="en-US" b="1" u="sng" dirty="0"/>
+              <a:t>KNN</a:t>
+            </a:r>
           </a:p>
           <a:p>
             <a:endParaRPr lang="en-US" dirty="0"/>
@@ -8169,33 +8420,7 @@
           <a:p>
             <a:r>
               <a:rPr lang="en-US" b="1" u="sng" dirty="0"/>
-              <a:t>SVM </a:t>
-            </a:r>
-            <a:r>
-              <a:rPr lang="mr-IN" b="1" u="sng" dirty="0" smtClean="0"/>
-              <a:t>–</a:t>
-            </a:r>
-            <a:r>
-              <a:rPr lang="en-US" b="1" u="sng" dirty="0" smtClean="0"/>
-              <a:t> Radial</a:t>
-            </a:r>
-          </a:p>
-          <a:p>
-            <a:pPr lvl="1"/>
-            <a:r>
-              <a:rPr lang="en-US" dirty="0"/>
-              <a:t>Testing </a:t>
-            </a:r>
-          </a:p>
-          <a:p>
-            <a:pPr lvl="1"/>
-            <a:r>
-              <a:rPr lang="en-US" dirty="0"/>
-              <a:t>Confusion Matrix on </a:t>
-            </a:r>
-            <a:r>
-              <a:rPr lang="en-US" dirty="0" err="1" smtClean="0"/>
-              <a:t>TestinG</a:t>
+              <a:t>Deep learning</a:t>
             </a:r>
             <a:endParaRPr lang="en-US" dirty="0"/>
           </a:p>
@@ -8204,13 +8429,21 @@
     </p:spTree>
     <p:extLst>
       <p:ext uri="{BB962C8B-B14F-4D97-AF65-F5344CB8AC3E}">
-        <p14:creationId xmlns:p14="http://schemas.microsoft.com/office/powerpoint/2010/main" val="726227917"/>
+        <p14:creationId xmlns:p14="http://schemas.microsoft.com/office/powerpoint/2010/main" val="2127022700"/>
       </p:ext>
     </p:extLst>
   </p:cSld>
   <p:clrMapOvr>
     <a:masterClrMapping/>
   </p:clrMapOvr>
+  <mc:AlternateContent xmlns:mc="http://schemas.openxmlformats.org/markup-compatibility/2006">
+    <mc:Choice xmlns:p14="http://schemas.microsoft.com/office/powerpoint/2010/main" Requires="p14">
+      <p:transition spd="slow" p14:dur="2000"/>
+    </mc:Choice>
+    <mc:Fallback>
+      <p:transition spd="slow"/>
+    </mc:Fallback>
+  </mc:AlternateContent>
   <p:timing>
     <p:tnLst>
       <p:par>
@@ -8222,7 +8455,7 @@
 </file>
 
 <file path=ppt/slides/slide23.xml><?xml version="1.0" encoding="utf-8"?>
-<p:sld xmlns:a="http://schemas.openxmlformats.org/drawingml/2006/main" xmlns:r="http://schemas.openxmlformats.org/officeDocument/2006/relationships" xmlns:p="http://schemas.openxmlformats.org/presentationml/2006/main">
+<p:sld xmlns:a="http://schemas.openxmlformats.org/drawingml/2006/main" xmlns:r="http://schemas.openxmlformats.org/officeDocument/2006/relationships" xmlns:p="http://schemas.openxmlformats.org/presentationml/2006/main" show="0">
   <p:cSld>
     <p:spTree>
       <p:nvGrpSpPr>
@@ -8259,7 +8492,7 @@
             </a:r>
             <a:r>
               <a:rPr lang="en-US" dirty="0"/>
-              <a:t>and Results cont.</a:t>
+              <a:t>and Results</a:t>
             </a:r>
           </a:p>
         </p:txBody>
@@ -8279,12 +8512,49 @@
           <a:bodyPr/>
           <a:lstStyle/>
           <a:p>
-            <a:pPr marL="342900" lvl="1" indent="-342900"/>
-            <a:r>
-              <a:rPr lang="en-US" b="1" u="sng" dirty="0" smtClean="0"/>
-              <a:t>Logistic Regression - Binomial</a:t>
-            </a:r>
-            <a:endParaRPr lang="en-US" b="1" u="sng" dirty="0"/>
+            <a:pPr>
+              <a:lnSpc>
+                <a:spcPct val="150000"/>
+              </a:lnSpc>
+            </a:pPr>
+            <a:r>
+              <a:rPr lang="en-US" b="1" u="sng" dirty="0"/>
+              <a:t>Decision tree</a:t>
+            </a:r>
+          </a:p>
+          <a:p>
+            <a:pPr lvl="1">
+              <a:lnSpc>
+                <a:spcPct val="150000"/>
+              </a:lnSpc>
+            </a:pPr>
+            <a:r>
+              <a:rPr lang="en-US" dirty="0"/>
+              <a:t>Testing Accuracy : </a:t>
+            </a:r>
+            <a:r>
+              <a:rPr lang="en-US" dirty="0" smtClean="0"/>
+              <a:t>0. </a:t>
+            </a:r>
+            <a:endParaRPr lang="en-US" dirty="0"/>
+          </a:p>
+          <a:p>
+            <a:pPr lvl="1">
+              <a:lnSpc>
+                <a:spcPct val="150000"/>
+              </a:lnSpc>
+            </a:pPr>
+            <a:r>
+              <a:rPr lang="en-US" dirty="0" smtClean="0"/>
+              <a:t>Confusion </a:t>
+            </a:r>
+            <a:r>
+              <a:rPr lang="en-US" dirty="0"/>
+              <a:t>Matrix on Testing</a:t>
+            </a:r>
+          </a:p>
+          <a:p>
+            <a:endParaRPr lang="en-US" dirty="0"/>
           </a:p>
         </p:txBody>
       </p:sp>
@@ -8303,10 +8573,24 @@
           <a:bodyPr/>
           <a:lstStyle/>
           <a:p>
-            <a:pPr marL="342900" lvl="1" indent="-342900"/>
             <a:r>
               <a:rPr lang="en-US" b="1" u="sng" dirty="0"/>
-              <a:t>Logistic Regression - Penalized</a:t>
+              <a:t>Random forest</a:t>
+            </a:r>
+            <a:endParaRPr lang="en-US" dirty="0"/>
+          </a:p>
+          <a:p>
+            <a:pPr lvl="1"/>
+            <a:r>
+              <a:rPr lang="en-US" dirty="0"/>
+              <a:t>Testing </a:t>
+            </a:r>
+          </a:p>
+          <a:p>
+            <a:pPr lvl="1"/>
+            <a:r>
+              <a:rPr lang="en-US" dirty="0"/>
+              <a:t>Confusion Matrix on Testing</a:t>
             </a:r>
           </a:p>
           <a:p>
@@ -8317,13 +8601,21 @@
     </p:spTree>
     <p:extLst>
       <p:ext uri="{BB962C8B-B14F-4D97-AF65-F5344CB8AC3E}">
-        <p14:creationId xmlns:p14="http://schemas.microsoft.com/office/powerpoint/2010/main" val="1563035118"/>
+        <p14:creationId xmlns:p14="http://schemas.microsoft.com/office/powerpoint/2010/main" val="1088287288"/>
       </p:ext>
     </p:extLst>
   </p:cSld>
   <p:clrMapOvr>
     <a:masterClrMapping/>
   </p:clrMapOvr>
+  <mc:AlternateContent xmlns:mc="http://schemas.openxmlformats.org/markup-compatibility/2006">
+    <mc:Choice xmlns:p14="http://schemas.microsoft.com/office/powerpoint/2010/main" Requires="p14">
+      <p:transition spd="slow" p14:dur="2000"/>
+    </mc:Choice>
+    <mc:Fallback>
+      <p:transition spd="slow"/>
+    </mc:Fallback>
+  </mc:AlternateContent>
   <p:timing>
     <p:tnLst>
       <p:par>
@@ -8335,7 +8627,7 @@
 </file>
 
 <file path=ppt/slides/slide24.xml><?xml version="1.0" encoding="utf-8"?>
-<p:sld xmlns:a="http://schemas.openxmlformats.org/drawingml/2006/main" xmlns:r="http://schemas.openxmlformats.org/officeDocument/2006/relationships" xmlns:p="http://schemas.openxmlformats.org/presentationml/2006/main">
+<p:sld xmlns:a="http://schemas.openxmlformats.org/drawingml/2006/main" xmlns:r="http://schemas.openxmlformats.org/officeDocument/2006/relationships" xmlns:p="http://schemas.openxmlformats.org/presentationml/2006/main" show="0">
   <p:cSld>
     <p:spTree>
       <p:nvGrpSpPr>
@@ -8372,8 +8664,13 @@
             </a:r>
             <a:r>
               <a:rPr lang="en-US" dirty="0"/>
-              <a:t>and Results cont.</a:t>
-            </a:r>
+              <a:t>and </a:t>
+            </a:r>
+            <a:r>
+              <a:rPr lang="en-US" dirty="0" smtClean="0"/>
+              <a:t>Results cont.</a:t>
+            </a:r>
+            <a:endParaRPr lang="en-US" dirty="0"/>
           </a:p>
         </p:txBody>
       </p:sp>
@@ -8393,33 +8690,86 @@
           <a:lstStyle/>
           <a:p>
             <a:r>
+              <a:rPr lang="en-US" b="1" u="sng" dirty="0" smtClean="0"/>
+              <a:t>SVM </a:t>
+            </a:r>
+            <a:r>
+              <a:rPr lang="mr-IN" b="1" u="sng" dirty="0" smtClean="0"/>
+              <a:t>–</a:t>
+            </a:r>
+            <a:r>
+              <a:rPr lang="en-US" b="1" u="sng" dirty="0" smtClean="0"/>
+              <a:t> Poly</a:t>
+            </a:r>
+          </a:p>
+          <a:p>
+            <a:pPr lvl="1"/>
+            <a:r>
+              <a:rPr lang="en-US" dirty="0"/>
+              <a:t>Testing </a:t>
+            </a:r>
+          </a:p>
+          <a:p>
+            <a:pPr lvl="1"/>
+            <a:r>
+              <a:rPr lang="en-US" dirty="0"/>
+              <a:t>Confusion Matrix on </a:t>
+            </a:r>
+            <a:r>
+              <a:rPr lang="en-US" dirty="0" smtClean="0"/>
+              <a:t>Testing</a:t>
+            </a:r>
+            <a:endParaRPr lang="en-US" b="1" u="sng" dirty="0"/>
+          </a:p>
+          <a:p>
+            <a:endParaRPr lang="en-US" dirty="0"/>
+          </a:p>
+        </p:txBody>
+      </p:sp>
+      <p:sp>
+        <p:nvSpPr>
+          <p:cNvPr id="4" name="Content Placeholder 3"/>
+          <p:cNvSpPr>
+            <a:spLocks noGrp="1"/>
+          </p:cNvSpPr>
+          <p:nvPr>
+            <p:ph sz="half" idx="2"/>
+          </p:nvPr>
+        </p:nvSpPr>
+        <p:spPr/>
+        <p:txBody>
+          <a:bodyPr/>
+          <a:lstStyle/>
+          <a:p>
+            <a:r>
               <a:rPr lang="en-US" b="1" u="sng" dirty="0"/>
-              <a:t>KNN</a:t>
-            </a:r>
-          </a:p>
-          <a:p>
-            <a:endParaRPr lang="en-US" dirty="0"/>
-          </a:p>
-        </p:txBody>
-      </p:sp>
-      <p:sp>
-        <p:nvSpPr>
-          <p:cNvPr id="4" name="Content Placeholder 3"/>
-          <p:cNvSpPr>
-            <a:spLocks noGrp="1"/>
-          </p:cNvSpPr>
-          <p:nvPr>
-            <p:ph sz="half" idx="2"/>
-          </p:nvPr>
-        </p:nvSpPr>
-        <p:spPr/>
-        <p:txBody>
-          <a:bodyPr/>
-          <a:lstStyle/>
-          <a:p>
-            <a:r>
-              <a:rPr lang="en-US" b="1" u="sng" dirty="0"/>
-              <a:t>Deep learning</a:t>
+              <a:t>SVM </a:t>
+            </a:r>
+            <a:r>
+              <a:rPr lang="mr-IN" b="1" u="sng" dirty="0" smtClean="0"/>
+              <a:t>–</a:t>
+            </a:r>
+            <a:r>
+              <a:rPr lang="en-US" b="1" u="sng" dirty="0" smtClean="0"/>
+              <a:t> Radial</a:t>
+            </a:r>
+          </a:p>
+          <a:p>
+            <a:pPr lvl="1"/>
+            <a:r>
+              <a:rPr lang="en-US" dirty="0"/>
+              <a:t>Testing </a:t>
+            </a:r>
+          </a:p>
+          <a:p>
+            <a:pPr lvl="1"/>
+            <a:r>
+              <a:rPr lang="en-US" dirty="0"/>
+              <a:t>Confusion Matrix on </a:t>
+            </a:r>
+            <a:r>
+              <a:rPr lang="en-US" dirty="0" err="1" smtClean="0"/>
+              <a:t>TestinG</a:t>
             </a:r>
             <a:endParaRPr lang="en-US" dirty="0"/>
           </a:p>
@@ -8428,13 +8778,21 @@
     </p:spTree>
     <p:extLst>
       <p:ext uri="{BB962C8B-B14F-4D97-AF65-F5344CB8AC3E}">
-        <p14:creationId xmlns:p14="http://schemas.microsoft.com/office/powerpoint/2010/main" val="1911258122"/>
+        <p14:creationId xmlns:p14="http://schemas.microsoft.com/office/powerpoint/2010/main" val="726227917"/>
       </p:ext>
     </p:extLst>
   </p:cSld>
   <p:clrMapOvr>
     <a:masterClrMapping/>
   </p:clrMapOvr>
+  <mc:AlternateContent xmlns:mc="http://schemas.openxmlformats.org/markup-compatibility/2006">
+    <mc:Choice xmlns:p14="http://schemas.microsoft.com/office/powerpoint/2010/main" Requires="p14">
+      <p:transition spd="slow" p14:dur="2000"/>
+    </mc:Choice>
+    <mc:Fallback>
+      <p:transition spd="slow"/>
+    </mc:Fallback>
+  </mc:AlternateContent>
   <p:timing>
     <p:tnLst>
       <p:par>
@@ -8446,6 +8804,246 @@
 </file>
 
 <file path=ppt/slides/slide25.xml><?xml version="1.0" encoding="utf-8"?>
+<p:sld xmlns:a="http://schemas.openxmlformats.org/drawingml/2006/main" xmlns:r="http://schemas.openxmlformats.org/officeDocument/2006/relationships" xmlns:p="http://schemas.openxmlformats.org/presentationml/2006/main" show="0">
+  <p:cSld>
+    <p:spTree>
+      <p:nvGrpSpPr>
+        <p:cNvPr id="1" name=""/>
+        <p:cNvGrpSpPr/>
+        <p:nvPr/>
+      </p:nvGrpSpPr>
+      <p:grpSpPr>
+        <a:xfrm>
+          <a:off x="0" y="0"/>
+          <a:ext cx="0" cy="0"/>
+          <a:chOff x="0" y="0"/>
+          <a:chExt cx="0" cy="0"/>
+        </a:xfrm>
+      </p:grpSpPr>
+      <p:sp>
+        <p:nvSpPr>
+          <p:cNvPr id="2" name="Title 1"/>
+          <p:cNvSpPr>
+            <a:spLocks noGrp="1"/>
+          </p:cNvSpPr>
+          <p:nvPr>
+            <p:ph type="title"/>
+          </p:nvPr>
+        </p:nvSpPr>
+        <p:spPr/>
+        <p:txBody>
+          <a:bodyPr/>
+          <a:lstStyle/>
+          <a:p>
+            <a:r>
+              <a:rPr lang="en-US" dirty="0" smtClean="0"/>
+              <a:t>Reception Models </a:t>
+            </a:r>
+            <a:r>
+              <a:rPr lang="en-US" dirty="0"/>
+              <a:t>and Results cont.</a:t>
+            </a:r>
+          </a:p>
+        </p:txBody>
+      </p:sp>
+      <p:sp>
+        <p:nvSpPr>
+          <p:cNvPr id="3" name="Content Placeholder 2"/>
+          <p:cNvSpPr>
+            <a:spLocks noGrp="1"/>
+          </p:cNvSpPr>
+          <p:nvPr>
+            <p:ph sz="half" idx="1"/>
+          </p:nvPr>
+        </p:nvSpPr>
+        <p:spPr/>
+        <p:txBody>
+          <a:bodyPr/>
+          <a:lstStyle/>
+          <a:p>
+            <a:pPr marL="342900" lvl="1" indent="-342900"/>
+            <a:r>
+              <a:rPr lang="en-US" b="1" u="sng" dirty="0" smtClean="0"/>
+              <a:t>Logistic Regression - Binomial</a:t>
+            </a:r>
+            <a:endParaRPr lang="en-US" b="1" u="sng" dirty="0"/>
+          </a:p>
+        </p:txBody>
+      </p:sp>
+      <p:sp>
+        <p:nvSpPr>
+          <p:cNvPr id="4" name="Content Placeholder 3"/>
+          <p:cNvSpPr>
+            <a:spLocks noGrp="1"/>
+          </p:cNvSpPr>
+          <p:nvPr>
+            <p:ph sz="half" idx="2"/>
+          </p:nvPr>
+        </p:nvSpPr>
+        <p:spPr/>
+        <p:txBody>
+          <a:bodyPr/>
+          <a:lstStyle/>
+          <a:p>
+            <a:pPr marL="342900" lvl="1" indent="-342900"/>
+            <a:r>
+              <a:rPr lang="en-US" b="1" u="sng" dirty="0"/>
+              <a:t>Logistic Regression - Penalized</a:t>
+            </a:r>
+          </a:p>
+          <a:p>
+            <a:endParaRPr lang="en-US" dirty="0"/>
+          </a:p>
+        </p:txBody>
+      </p:sp>
+    </p:spTree>
+    <p:extLst>
+      <p:ext uri="{BB962C8B-B14F-4D97-AF65-F5344CB8AC3E}">
+        <p14:creationId xmlns:p14="http://schemas.microsoft.com/office/powerpoint/2010/main" val="1563035118"/>
+      </p:ext>
+    </p:extLst>
+  </p:cSld>
+  <p:clrMapOvr>
+    <a:masterClrMapping/>
+  </p:clrMapOvr>
+  <mc:AlternateContent xmlns:mc="http://schemas.openxmlformats.org/markup-compatibility/2006">
+    <mc:Choice xmlns:p14="http://schemas.microsoft.com/office/powerpoint/2010/main" Requires="p14">
+      <p:transition spd="slow" p14:dur="2000"/>
+    </mc:Choice>
+    <mc:Fallback>
+      <p:transition spd="slow"/>
+    </mc:Fallback>
+  </mc:AlternateContent>
+  <p:timing>
+    <p:tnLst>
+      <p:par>
+        <p:cTn id="1" dur="indefinite" restart="never" nodeType="tmRoot"/>
+      </p:par>
+    </p:tnLst>
+  </p:timing>
+</p:sld>
+</file>
+
+<file path=ppt/slides/slide26.xml><?xml version="1.0" encoding="utf-8"?>
+<p:sld xmlns:a="http://schemas.openxmlformats.org/drawingml/2006/main" xmlns:r="http://schemas.openxmlformats.org/officeDocument/2006/relationships" xmlns:p="http://schemas.openxmlformats.org/presentationml/2006/main" show="0">
+  <p:cSld>
+    <p:spTree>
+      <p:nvGrpSpPr>
+        <p:cNvPr id="1" name=""/>
+        <p:cNvGrpSpPr/>
+        <p:nvPr/>
+      </p:nvGrpSpPr>
+      <p:grpSpPr>
+        <a:xfrm>
+          <a:off x="0" y="0"/>
+          <a:ext cx="0" cy="0"/>
+          <a:chOff x="0" y="0"/>
+          <a:chExt cx="0" cy="0"/>
+        </a:xfrm>
+      </p:grpSpPr>
+      <p:sp>
+        <p:nvSpPr>
+          <p:cNvPr id="2" name="Title 1"/>
+          <p:cNvSpPr>
+            <a:spLocks noGrp="1"/>
+          </p:cNvSpPr>
+          <p:nvPr>
+            <p:ph type="title"/>
+          </p:nvPr>
+        </p:nvSpPr>
+        <p:spPr/>
+        <p:txBody>
+          <a:bodyPr/>
+          <a:lstStyle/>
+          <a:p>
+            <a:r>
+              <a:rPr lang="en-US" dirty="0" smtClean="0"/>
+              <a:t>Reception Models </a:t>
+            </a:r>
+            <a:r>
+              <a:rPr lang="en-US" dirty="0"/>
+              <a:t>and Results cont.</a:t>
+            </a:r>
+          </a:p>
+        </p:txBody>
+      </p:sp>
+      <p:sp>
+        <p:nvSpPr>
+          <p:cNvPr id="3" name="Content Placeholder 2"/>
+          <p:cNvSpPr>
+            <a:spLocks noGrp="1"/>
+          </p:cNvSpPr>
+          <p:nvPr>
+            <p:ph sz="half" idx="1"/>
+          </p:nvPr>
+        </p:nvSpPr>
+        <p:spPr/>
+        <p:txBody>
+          <a:bodyPr/>
+          <a:lstStyle/>
+          <a:p>
+            <a:r>
+              <a:rPr lang="en-US" b="1" u="sng" dirty="0"/>
+              <a:t>KNN</a:t>
+            </a:r>
+          </a:p>
+          <a:p>
+            <a:endParaRPr lang="en-US" dirty="0"/>
+          </a:p>
+        </p:txBody>
+      </p:sp>
+      <p:sp>
+        <p:nvSpPr>
+          <p:cNvPr id="4" name="Content Placeholder 3"/>
+          <p:cNvSpPr>
+            <a:spLocks noGrp="1"/>
+          </p:cNvSpPr>
+          <p:nvPr>
+            <p:ph sz="half" idx="2"/>
+          </p:nvPr>
+        </p:nvSpPr>
+        <p:spPr/>
+        <p:txBody>
+          <a:bodyPr/>
+          <a:lstStyle/>
+          <a:p>
+            <a:r>
+              <a:rPr lang="en-US" b="1" u="sng" dirty="0"/>
+              <a:t>Deep learning</a:t>
+            </a:r>
+            <a:endParaRPr lang="en-US" dirty="0"/>
+          </a:p>
+        </p:txBody>
+      </p:sp>
+    </p:spTree>
+    <p:extLst>
+      <p:ext uri="{BB962C8B-B14F-4D97-AF65-F5344CB8AC3E}">
+        <p14:creationId xmlns:p14="http://schemas.microsoft.com/office/powerpoint/2010/main" val="1911258122"/>
+      </p:ext>
+    </p:extLst>
+  </p:cSld>
+  <p:clrMapOvr>
+    <a:masterClrMapping/>
+  </p:clrMapOvr>
+  <mc:AlternateContent xmlns:mc="http://schemas.openxmlformats.org/markup-compatibility/2006">
+    <mc:Choice xmlns:p14="http://schemas.microsoft.com/office/powerpoint/2010/main" Requires="p14">
+      <p:transition spd="slow" p14:dur="2000"/>
+    </mc:Choice>
+    <mc:Fallback>
+      <p:transition spd="slow"/>
+    </mc:Fallback>
+  </mc:AlternateContent>
+  <p:timing>
+    <p:tnLst>
+      <p:par>
+        <p:cTn id="1" dur="indefinite" restart="never" nodeType="tmRoot"/>
+      </p:par>
+    </p:tnLst>
+  </p:timing>
+</p:sld>
+</file>
+
+<file path=ppt/slides/slide27.xml><?xml version="1.0" encoding="utf-8"?>
 <p:sld xmlns:a="http://schemas.openxmlformats.org/drawingml/2006/main" xmlns:r="http://schemas.openxmlformats.org/officeDocument/2006/relationships" xmlns:p="http://schemas.openxmlformats.org/presentationml/2006/main">
   <p:cSld>
     <p:spTree>
@@ -8836,6 +9434,13 @@
   <p:clrMapOvr>
     <a:masterClrMapping/>
   </p:clrMapOvr>
+  <p:timing>
+    <p:tnLst>
+      <p:par>
+        <p:cTn id="1" dur="indefinite" restart="never" nodeType="tmRoot"/>
+      </p:par>
+    </p:tnLst>
+  </p:timing>
 </p:sld>
 </file>
 
@@ -8896,7 +9501,7 @@
           <a:p>
             <a:pPr>
               <a:lnSpc>
-                <a:spcPct val="300000"/>
+                <a:spcPct val="200000"/>
               </a:lnSpc>
             </a:pPr>
             <a:r>
@@ -8907,7 +9512,7 @@
           <a:p>
             <a:pPr>
               <a:lnSpc>
-                <a:spcPct val="300000"/>
+                <a:spcPct val="200000"/>
               </a:lnSpc>
             </a:pPr>
             <a:r>
@@ -8918,13 +9523,42 @@
           <a:p>
             <a:pPr>
               <a:lnSpc>
-                <a:spcPct val="300000"/>
+                <a:spcPct val="200000"/>
               </a:lnSpc>
             </a:pPr>
             <a:r>
               <a:rPr lang="en-US" dirty="0" smtClean="0"/>
-              <a:t>After removing unwanted plays, there are 222,530 that will used in analysis.</a:t>
-            </a:r>
+              <a:t>After removing unwanted plays, there are 222,530 that will used in analysis</a:t>
+            </a:r>
+            <a:r>
+              <a:rPr lang="en-US" dirty="0" smtClean="0"/>
+              <a:t>.</a:t>
+            </a:r>
+          </a:p>
+          <a:p>
+            <a:pPr>
+              <a:lnSpc>
+                <a:spcPct val="200000"/>
+              </a:lnSpc>
+            </a:pPr>
+            <a:r>
+              <a:rPr lang="en-US" dirty="0" smtClean="0"/>
+              <a:t>Categorical data was processed to integers.</a:t>
+            </a:r>
+          </a:p>
+          <a:p>
+            <a:pPr>
+              <a:lnSpc>
+                <a:spcPct val="200000"/>
+              </a:lnSpc>
+            </a:pPr>
+            <a:r>
+              <a:rPr lang="en-US" dirty="0" smtClean="0"/>
+              <a:t>Training and testing sets were created for each predicted variable.</a:t>
+            </a:r>
+          </a:p>
+          <a:p>
+            <a:endParaRPr lang="en-US" dirty="0" smtClean="0"/>
           </a:p>
           <a:p>
             <a:endParaRPr lang="en-US" dirty="0" smtClean="0"/>
@@ -8944,6 +9578,13 @@
   <p:clrMapOvr>
     <a:masterClrMapping/>
   </p:clrMapOvr>
+  <p:timing>
+    <p:tnLst>
+      <p:par>
+        <p:cTn id="1" dur="indefinite" restart="never" nodeType="tmRoot"/>
+      </p:par>
+    </p:tnLst>
+  </p:timing>
 </p:sld>
 </file>
 
@@ -8980,12 +9621,8 @@
           <a:lstStyle/>
           <a:p>
             <a:r>
-              <a:rPr lang="en-US" dirty="0"/>
-              <a:t>Play Type Models and </a:t>
-            </a:r>
-            <a:r>
               <a:rPr lang="en-US" dirty="0" smtClean="0"/>
-              <a:t>Results</a:t>
+              <a:t>GitHub</a:t>
             </a:r>
             <a:endParaRPr lang="en-US" dirty="0"/>
           </a:p>
@@ -8998,7 +9635,7 @@
             <a:spLocks noGrp="1"/>
           </p:cNvSpPr>
           <p:nvPr>
-            <p:ph sz="half" idx="1"/>
+            <p:ph idx="1"/>
           </p:nvPr>
         </p:nvSpPr>
         <p:spPr/>
@@ -9012,76 +9649,65 @@
               </a:lnSpc>
             </a:pPr>
             <a:r>
-              <a:rPr lang="en-US" b="1" u="sng" dirty="0"/>
-              <a:t>Decision tree</a:t>
-            </a:r>
-          </a:p>
-          <a:p>
-            <a:pPr lvl="1">
+              <a:rPr lang="en-US" dirty="0" smtClean="0"/>
+              <a:t>All files are in a GitHub. Below is a link</a:t>
+            </a:r>
+          </a:p>
+          <a:p>
+            <a:pPr>
               <a:lnSpc>
                 <a:spcPct val="150000"/>
               </a:lnSpc>
             </a:pPr>
             <a:r>
-              <a:rPr lang="en-US" dirty="0"/>
-              <a:t>Testing Accuracy : </a:t>
+              <a:rPr lang="en-US" dirty="0">
+                <a:hlinkClick r:id="rId2"/>
+              </a:rPr>
+              <a:t>https://</a:t>
+            </a:r>
+            <a:r>
+              <a:rPr lang="en-US" dirty="0" smtClean="0">
+                <a:hlinkClick r:id="rId2"/>
+              </a:rPr>
+              <a:t>github.com/bowes-chris/footballplaycaller.git</a:t>
             </a:r>
             <a:endParaRPr lang="en-US" dirty="0" smtClean="0"/>
           </a:p>
           <a:p>
-            <a:pPr lvl="1">
+            <a:pPr>
               <a:lnSpc>
                 <a:spcPct val="150000"/>
               </a:lnSpc>
             </a:pPr>
             <a:r>
               <a:rPr lang="en-US" dirty="0" smtClean="0"/>
-              <a:t>Confusion </a:t>
-            </a:r>
-            <a:r>
-              <a:rPr lang="en-US" dirty="0"/>
-              <a:t>Matrix on Testing</a:t>
-            </a:r>
-          </a:p>
-          <a:p>
-            <a:endParaRPr lang="en-US" dirty="0"/>
-          </a:p>
-        </p:txBody>
-      </p:sp>
-      <p:sp>
-        <p:nvSpPr>
-          <p:cNvPr id="4" name="Content Placeholder 3"/>
-          <p:cNvSpPr>
-            <a:spLocks noGrp="1"/>
-          </p:cNvSpPr>
-          <p:nvPr>
-            <p:ph sz="half" idx="2"/>
-          </p:nvPr>
-        </p:nvSpPr>
-        <p:spPr/>
-        <p:txBody>
-          <a:bodyPr/>
-          <a:lstStyle/>
-          <a:p>
-            <a:r>
-              <a:rPr lang="en-US" b="1" u="sng" dirty="0"/>
-              <a:t>Random forest</a:t>
-            </a:r>
-            <a:endParaRPr lang="en-US" dirty="0"/>
-          </a:p>
-          <a:p>
-            <a:pPr lvl="1"/>
-            <a:r>
-              <a:rPr lang="en-US" dirty="0"/>
-              <a:t>Testing </a:t>
-            </a:r>
-          </a:p>
-          <a:p>
-            <a:pPr lvl="1"/>
-            <a:r>
-              <a:rPr lang="en-US" dirty="0"/>
-              <a:t>Confusion Matrix on Testing</a:t>
-            </a:r>
+              <a:t>“models” and “run” files have been coded.</a:t>
+            </a:r>
+          </a:p>
+          <a:p>
+            <a:pPr>
+              <a:lnSpc>
+                <a:spcPct val="150000"/>
+              </a:lnSpc>
+            </a:pPr>
+            <a:r>
+              <a:rPr lang="en-US" dirty="0" smtClean="0"/>
+              <a:t>Fulling trained models will be included once we have access to your computing cluster. </a:t>
+            </a:r>
+          </a:p>
+          <a:p>
+            <a:pPr>
+              <a:lnSpc>
+                <a:spcPct val="150000"/>
+              </a:lnSpc>
+            </a:pPr>
+            <a:r>
+              <a:rPr lang="en-US" dirty="0" smtClean="0"/>
+              <a:t>Partially trained models on limited subsets are included in GitHub for progress report purposes.  </a:t>
+            </a:r>
+          </a:p>
+          <a:p>
+            <a:endParaRPr lang="en-US" dirty="0" smtClean="0"/>
           </a:p>
           <a:p>
             <a:endParaRPr lang="en-US" dirty="0"/>
@@ -9091,7 +9717,7 @@
     </p:spTree>
     <p:extLst>
       <p:ext uri="{BB962C8B-B14F-4D97-AF65-F5344CB8AC3E}">
-        <p14:creationId xmlns:p14="http://schemas.microsoft.com/office/powerpoint/2010/main" val="704628196"/>
+        <p14:creationId xmlns:p14="http://schemas.microsoft.com/office/powerpoint/2010/main" val="256660274"/>
       </p:ext>
     </p:extLst>
   </p:cSld>
@@ -9141,9 +9767,10 @@
           <a:lstStyle/>
           <a:p>
             <a:r>
-              <a:rPr lang="en-US" dirty="0"/>
-              <a:t>Play Type Models and Results cont.</a:t>
-            </a:r>
+              <a:rPr lang="en-US" dirty="0" smtClean="0"/>
+              <a:t>Results</a:t>
+            </a:r>
+            <a:endParaRPr lang="en-US" dirty="0"/>
           </a:p>
         </p:txBody>
       </p:sp>
@@ -9154,95 +9781,44 @@
             <a:spLocks noGrp="1"/>
           </p:cNvSpPr>
           <p:nvPr>
-            <p:ph sz="half" idx="1"/>
-          </p:nvPr>
-        </p:nvSpPr>
-        <p:spPr/>
-        <p:txBody>
-          <a:bodyPr/>
-          <a:lstStyle/>
-          <a:p>
-            <a:r>
-              <a:rPr lang="en-US" b="1" u="sng" dirty="0" smtClean="0"/>
-              <a:t>SVM </a:t>
-            </a:r>
-            <a:r>
-              <a:rPr lang="mr-IN" b="1" u="sng" dirty="0" smtClean="0"/>
-              <a:t>–</a:t>
-            </a:r>
-            <a:r>
-              <a:rPr lang="en-US" b="1" u="sng" dirty="0" smtClean="0"/>
-              <a:t> Poly</a:t>
-            </a:r>
-          </a:p>
-          <a:p>
-            <a:pPr lvl="1"/>
-            <a:r>
-              <a:rPr lang="en-US" dirty="0"/>
-              <a:t>Testing </a:t>
-            </a:r>
-          </a:p>
-          <a:p>
-            <a:pPr lvl="1"/>
-            <a:r>
-              <a:rPr lang="en-US" dirty="0"/>
-              <a:t>Confusion Matrix on </a:t>
-            </a:r>
+            <p:ph idx="1"/>
+          </p:nvPr>
+        </p:nvSpPr>
+        <p:spPr/>
+        <p:txBody>
+          <a:bodyPr/>
+          <a:lstStyle/>
+          <a:p>
             <a:r>
               <a:rPr lang="en-US" dirty="0" smtClean="0"/>
-              <a:t>Testing</a:t>
-            </a:r>
-            <a:endParaRPr lang="en-US" b="1" u="sng" dirty="0"/>
-          </a:p>
-          <a:p>
-            <a:endParaRPr lang="en-US" dirty="0"/>
-          </a:p>
-        </p:txBody>
-      </p:sp>
-      <p:sp>
-        <p:nvSpPr>
-          <p:cNvPr id="4" name="Content Placeholder 3"/>
-          <p:cNvSpPr>
-            <a:spLocks noGrp="1"/>
-          </p:cNvSpPr>
-          <p:nvPr>
-            <p:ph sz="half" idx="2"/>
-          </p:nvPr>
-        </p:nvSpPr>
-        <p:spPr/>
-        <p:txBody>
-          <a:bodyPr/>
-          <a:lstStyle/>
-          <a:p>
-            <a:r>
-              <a:rPr lang="en-US" b="1" u="sng" dirty="0"/>
-              <a:t>SVM </a:t>
-            </a:r>
-            <a:r>
-              <a:rPr lang="mr-IN" b="1" u="sng" dirty="0" smtClean="0"/>
-              <a:t>–</a:t>
-            </a:r>
-            <a:r>
-              <a:rPr lang="en-US" b="1" u="sng" dirty="0" smtClean="0"/>
-              <a:t> Radial</a:t>
-            </a:r>
-          </a:p>
-          <a:p>
-            <a:pPr lvl="1"/>
-            <a:r>
-              <a:rPr lang="en-US" dirty="0"/>
-              <a:t>Testing </a:t>
-            </a:r>
-          </a:p>
-          <a:p>
-            <a:pPr lvl="1"/>
-            <a:r>
-              <a:rPr lang="en-US" dirty="0"/>
-              <a:t>Confusion Matrix on </a:t>
-            </a:r>
-            <a:r>
-              <a:rPr lang="en-US" dirty="0" err="1" smtClean="0"/>
-              <a:t>TestinG</a:t>
+              <a:t>The following slides will discuss the results of our analysis. </a:t>
+            </a:r>
+          </a:p>
+          <a:p>
+            <a:endParaRPr lang="en-US" dirty="0"/>
+          </a:p>
+          <a:p>
+            <a:r>
+              <a:rPr lang="en-US" dirty="0" smtClean="0"/>
+              <a:t>Please note that most models have not been ran because of computing power issues. </a:t>
+            </a:r>
+          </a:p>
+          <a:p>
+            <a:endParaRPr lang="en-US" dirty="0" smtClean="0"/>
+          </a:p>
+          <a:p>
+            <a:r>
+              <a:rPr lang="en-US" dirty="0" smtClean="0"/>
+              <a:t>Only “first down” analysis is being presented during the progress report. </a:t>
+            </a:r>
+          </a:p>
+          <a:p>
+            <a:endParaRPr lang="en-US" dirty="0"/>
+          </a:p>
+          <a:p>
+            <a:r>
+              <a:rPr lang="en-US" dirty="0" smtClean="0"/>
+              <a:t>The other four predicted variables are left blank. </a:t>
             </a:r>
             <a:endParaRPr lang="en-US" dirty="0"/>
           </a:p>
@@ -9251,20 +9827,13 @@
     </p:spTree>
     <p:extLst>
       <p:ext uri="{BB962C8B-B14F-4D97-AF65-F5344CB8AC3E}">
-        <p14:creationId xmlns:p14="http://schemas.microsoft.com/office/powerpoint/2010/main" val="1461260614"/>
+        <p14:creationId xmlns:p14="http://schemas.microsoft.com/office/powerpoint/2010/main" val="1242273934"/>
       </p:ext>
     </p:extLst>
   </p:cSld>
   <p:clrMapOvr>
     <a:masterClrMapping/>
   </p:clrMapOvr>
-  <p:timing>
-    <p:tnLst>
-      <p:par>
-        <p:cTn id="1" dur="indefinite" restart="never" nodeType="tmRoot"/>
-      </p:par>
-    </p:tnLst>
-  </p:timing>
 </p:sld>
 </file>
 
@@ -9302,7 +9871,7 @@
           <a:p>
             <a:r>
               <a:rPr lang="en-US" dirty="0"/>
-              <a:t>Play Type Models and Results cont.</a:t>
+              <a:t>First Down Models and Results</a:t>
             </a:r>
           </a:p>
         </p:txBody>
@@ -9322,45 +9891,139 @@
           <a:bodyPr/>
           <a:lstStyle/>
           <a:p>
+            <a:pPr>
+              <a:lnSpc>
+                <a:spcPct val="150000"/>
+              </a:lnSpc>
+            </a:pPr>
+            <a:r>
+              <a:rPr lang="en-US" b="1" u="sng" dirty="0"/>
+              <a:t>Decision tree</a:t>
+            </a:r>
+          </a:p>
+          <a:p>
+            <a:pPr lvl="1">
+              <a:lnSpc>
+                <a:spcPct val="150000"/>
+              </a:lnSpc>
+            </a:pPr>
+            <a:r>
+              <a:rPr lang="en-US" dirty="0"/>
+              <a:t>Testing Accuracy : 0.762 </a:t>
+            </a:r>
+          </a:p>
+          <a:p>
+            <a:pPr lvl="1">
+              <a:lnSpc>
+                <a:spcPct val="150000"/>
+              </a:lnSpc>
+            </a:pPr>
+            <a:r>
+              <a:rPr lang="en-US" dirty="0" smtClean="0"/>
+              <a:t>Confusion </a:t>
+            </a:r>
+            <a:r>
+              <a:rPr lang="en-US" dirty="0"/>
+              <a:t>Matrix on Testing</a:t>
+            </a:r>
+          </a:p>
+          <a:p>
+            <a:endParaRPr lang="en-US" dirty="0"/>
+          </a:p>
+        </p:txBody>
+      </p:sp>
+      <p:sp>
+        <p:nvSpPr>
+          <p:cNvPr id="4" name="Content Placeholder 3"/>
+          <p:cNvSpPr>
+            <a:spLocks noGrp="1"/>
+          </p:cNvSpPr>
+          <p:nvPr>
+            <p:ph sz="half" idx="2"/>
+          </p:nvPr>
+        </p:nvSpPr>
+        <p:spPr/>
+        <p:txBody>
+          <a:bodyPr/>
+          <a:lstStyle/>
+          <a:p>
+            <a:r>
+              <a:rPr lang="en-US" b="1" u="sng" dirty="0"/>
+              <a:t>Random forest</a:t>
+            </a:r>
+            <a:endParaRPr lang="en-US" dirty="0"/>
+          </a:p>
+          <a:p>
+            <a:pPr lvl="1"/>
+            <a:r>
+              <a:rPr lang="en-US" dirty="0"/>
+              <a:t>Testing </a:t>
+            </a:r>
+          </a:p>
+          <a:p>
+            <a:pPr lvl="1"/>
+            <a:r>
+              <a:rPr lang="en-US" dirty="0"/>
+              <a:t>Confusion Matrix on </a:t>
+            </a:r>
+            <a:r>
+              <a:rPr lang="en-US" dirty="0" smtClean="0"/>
+              <a:t>Testing</a:t>
+            </a:r>
+          </a:p>
+          <a:p>
+            <a:pPr lvl="1"/>
+            <a:endParaRPr lang="en-US" dirty="0"/>
+          </a:p>
+          <a:p>
+            <a:r>
+              <a:rPr lang="en-US" dirty="0" smtClean="0"/>
+              <a:t>Training this models was very resource intensive. Higher computer power will be needed to run models</a:t>
+            </a:r>
+          </a:p>
+          <a:p>
+            <a:endParaRPr lang="en-US" dirty="0"/>
+          </a:p>
+          <a:p>
             <a:pPr marL="342900" lvl="1" indent="-342900"/>
             <a:r>
-              <a:rPr lang="en-US" b="1" u="sng" dirty="0" smtClean="0"/>
-              <a:t>Logistic Regression - Binomial</a:t>
-            </a:r>
-            <a:endParaRPr lang="en-US" b="1" u="sng" dirty="0"/>
-          </a:p>
-        </p:txBody>
-      </p:sp>
-      <p:sp>
-        <p:nvSpPr>
-          <p:cNvPr id="4" name="Content Placeholder 3"/>
-          <p:cNvSpPr>
-            <a:spLocks noGrp="1"/>
-          </p:cNvSpPr>
-          <p:nvPr>
-            <p:ph sz="half" idx="2"/>
-          </p:nvPr>
-        </p:nvSpPr>
-        <p:spPr/>
-        <p:txBody>
-          <a:bodyPr/>
-          <a:lstStyle/>
-          <a:p>
-            <a:pPr marL="342900" lvl="1" indent="-342900"/>
-            <a:r>
-              <a:rPr lang="en-US" b="1" u="sng" dirty="0"/>
-              <a:t>Logistic Regression - Penalized</a:t>
-            </a:r>
-          </a:p>
-          <a:p>
-            <a:endParaRPr lang="en-US" dirty="0"/>
-          </a:p>
-        </p:txBody>
-      </p:sp>
+              <a:rPr lang="en-US" dirty="0"/>
+              <a:t>Please see GitHub for coded models</a:t>
+            </a:r>
+          </a:p>
+          <a:p>
+            <a:endParaRPr lang="en-US" dirty="0"/>
+          </a:p>
+        </p:txBody>
+      </p:sp>
+      <p:pic>
+        <p:nvPicPr>
+          <p:cNvPr id="5" name="Picture 4"/>
+          <p:cNvPicPr>
+            <a:picLocks noChangeAspect="1"/>
+          </p:cNvPicPr>
+          <p:nvPr/>
+        </p:nvPicPr>
+        <p:blipFill>
+          <a:blip r:embed="rId2"/>
+          <a:stretch>
+            <a:fillRect/>
+          </a:stretch>
+        </p:blipFill>
+        <p:spPr>
+          <a:xfrm>
+            <a:off x="677333" y="3763736"/>
+            <a:ext cx="4229873" cy="2277625"/>
+          </a:xfrm>
+          <a:prstGeom prst="rect">
+            <a:avLst/>
+          </a:prstGeom>
+        </p:spPr>
+      </p:pic>
     </p:spTree>
     <p:extLst>
       <p:ext uri="{BB962C8B-B14F-4D97-AF65-F5344CB8AC3E}">
-        <p14:creationId xmlns:p14="http://schemas.microsoft.com/office/powerpoint/2010/main" val="784152406"/>
+        <p14:creationId xmlns:p14="http://schemas.microsoft.com/office/powerpoint/2010/main" val="1636033045"/>
       </p:ext>
     </p:extLst>
   </p:cSld>
@@ -9410,24 +10073,96 @@
           <a:lstStyle/>
           <a:p>
             <a:r>
+              <a:rPr lang="en-US" dirty="0"/>
+              <a:t>First Down Models and </a:t>
+            </a:r>
+            <a:r>
               <a:rPr lang="en-US" dirty="0" smtClean="0"/>
-              <a:t>Play Type Models </a:t>
-            </a:r>
+              <a:t>Results cont.</a:t>
+            </a:r>
+            <a:endParaRPr lang="en-US" dirty="0"/>
+          </a:p>
+        </p:txBody>
+      </p:sp>
+      <p:sp>
+        <p:nvSpPr>
+          <p:cNvPr id="3" name="Content Placeholder 2"/>
+          <p:cNvSpPr>
+            <a:spLocks noGrp="1"/>
+          </p:cNvSpPr>
+          <p:nvPr>
+            <p:ph sz="half" idx="1"/>
+          </p:nvPr>
+        </p:nvSpPr>
+        <p:spPr/>
+        <p:txBody>
+          <a:bodyPr/>
+          <a:lstStyle/>
+          <a:p>
+            <a:r>
+              <a:rPr lang="en-US" b="1" u="sng" dirty="0" smtClean="0"/>
+              <a:t>SVM </a:t>
+            </a:r>
+            <a:r>
+              <a:rPr lang="mr-IN" b="1" u="sng" dirty="0" smtClean="0"/>
+              <a:t>–</a:t>
+            </a:r>
+            <a:r>
+              <a:rPr lang="en-US" b="1" u="sng" dirty="0" smtClean="0"/>
+              <a:t> Poly</a:t>
+            </a:r>
+          </a:p>
+          <a:p>
+            <a:pPr lvl="1"/>
             <a:r>
               <a:rPr lang="en-US" dirty="0"/>
-              <a:t>and Results cont.</a:t>
-            </a:r>
-          </a:p>
-        </p:txBody>
-      </p:sp>
-      <p:sp>
-        <p:nvSpPr>
-          <p:cNvPr id="3" name="Content Placeholder 2"/>
-          <p:cNvSpPr>
-            <a:spLocks noGrp="1"/>
-          </p:cNvSpPr>
-          <p:nvPr>
-            <p:ph sz="half" idx="1"/>
+              <a:t>Testing </a:t>
+            </a:r>
+          </a:p>
+          <a:p>
+            <a:pPr lvl="1"/>
+            <a:r>
+              <a:rPr lang="en-US" dirty="0"/>
+              <a:t>Confusion Matrix on </a:t>
+            </a:r>
+            <a:r>
+              <a:rPr lang="en-US" dirty="0" smtClean="0"/>
+              <a:t>Testing</a:t>
+            </a:r>
+            <a:endParaRPr lang="en-US" b="1" u="sng" dirty="0"/>
+          </a:p>
+          <a:p>
+            <a:endParaRPr lang="en-US" dirty="0" smtClean="0"/>
+          </a:p>
+          <a:p>
+            <a:pPr marL="342900" lvl="1" indent="-342900"/>
+            <a:r>
+              <a:rPr lang="en-US" dirty="0"/>
+              <a:t>Training this models was very resource intensive. Higher computer power will be needed to run models</a:t>
+            </a:r>
+          </a:p>
+          <a:p>
+            <a:pPr marL="342900" lvl="1" indent="-342900"/>
+            <a:endParaRPr lang="en-US" b="1" u="sng" dirty="0"/>
+          </a:p>
+          <a:p>
+            <a:pPr marL="342900" lvl="1" indent="-342900"/>
+            <a:r>
+              <a:rPr lang="en-US" dirty="0"/>
+              <a:t>Please see GitHub for coded models</a:t>
+            </a:r>
+            <a:endParaRPr lang="en-US" dirty="0"/>
+          </a:p>
+        </p:txBody>
+      </p:sp>
+      <p:sp>
+        <p:nvSpPr>
+          <p:cNvPr id="4" name="Content Placeholder 3"/>
+          <p:cNvSpPr>
+            <a:spLocks noGrp="1"/>
+          </p:cNvSpPr>
+          <p:nvPr>
+            <p:ph sz="half" idx="2"/>
           </p:nvPr>
         </p:nvSpPr>
         <p:spPr/>
@@ -9437,33 +10172,63 @@
           <a:p>
             <a:r>
               <a:rPr lang="en-US" b="1" u="sng" dirty="0"/>
-              <a:t>KNN</a:t>
-            </a:r>
-          </a:p>
-          <a:p>
-            <a:endParaRPr lang="en-US" dirty="0"/>
-          </a:p>
-        </p:txBody>
-      </p:sp>
-      <p:sp>
-        <p:nvSpPr>
-          <p:cNvPr id="4" name="Content Placeholder 3"/>
-          <p:cNvSpPr>
-            <a:spLocks noGrp="1"/>
-          </p:cNvSpPr>
-          <p:nvPr>
-            <p:ph sz="half" idx="2"/>
-          </p:nvPr>
-        </p:nvSpPr>
-        <p:spPr/>
-        <p:txBody>
-          <a:bodyPr/>
-          <a:lstStyle/>
-          <a:p>
-            <a:r>
-              <a:rPr lang="en-US" b="1" u="sng" dirty="0"/>
-              <a:t>Deep learning</a:t>
-            </a:r>
+              <a:t>SVM </a:t>
+            </a:r>
+            <a:r>
+              <a:rPr lang="mr-IN" b="1" u="sng" dirty="0" smtClean="0"/>
+              <a:t>–</a:t>
+            </a:r>
+            <a:r>
+              <a:rPr lang="en-US" b="1" u="sng" dirty="0" smtClean="0"/>
+              <a:t> Radial</a:t>
+            </a:r>
+          </a:p>
+          <a:p>
+            <a:pPr lvl="1"/>
+            <a:r>
+              <a:rPr lang="en-US" dirty="0"/>
+              <a:t>Testing </a:t>
+            </a:r>
+          </a:p>
+          <a:p>
+            <a:pPr lvl="1"/>
+            <a:r>
+              <a:rPr lang="en-US" dirty="0" smtClean="0"/>
+              <a:t>Confusion </a:t>
+            </a:r>
+            <a:r>
+              <a:rPr lang="en-US" dirty="0"/>
+              <a:t>Matrix on </a:t>
+            </a:r>
+            <a:r>
+              <a:rPr lang="en-US" dirty="0" smtClean="0"/>
+              <a:t>Testing</a:t>
+            </a:r>
+          </a:p>
+          <a:p>
+            <a:pPr lvl="1"/>
+            <a:endParaRPr lang="en-US" dirty="0"/>
+          </a:p>
+          <a:p>
+            <a:pPr marL="342900" lvl="1" indent="-342900"/>
+            <a:r>
+              <a:rPr lang="en-US" dirty="0"/>
+              <a:t>Training this models was very resource intensive. Higher computer power will be needed to run models</a:t>
+            </a:r>
+          </a:p>
+          <a:p>
+            <a:pPr marL="342900" lvl="1" indent="-342900"/>
+            <a:endParaRPr lang="en-US" b="1" u="sng" dirty="0"/>
+          </a:p>
+          <a:p>
+            <a:pPr marL="342900" lvl="1" indent="-342900"/>
+            <a:r>
+              <a:rPr lang="en-US" dirty="0"/>
+              <a:t>Please see GitHub for coded models</a:t>
+            </a:r>
+          </a:p>
+          <a:p>
+            <a:pPr lvl="1"/>
             <a:endParaRPr lang="en-US" dirty="0"/>
           </a:p>
         </p:txBody>
@@ -9471,7 +10236,7 @@
     </p:spTree>
     <p:extLst>
       <p:ext uri="{BB962C8B-B14F-4D97-AF65-F5344CB8AC3E}">
-        <p14:creationId xmlns:p14="http://schemas.microsoft.com/office/powerpoint/2010/main" val="142346003"/>
+        <p14:creationId xmlns:p14="http://schemas.microsoft.com/office/powerpoint/2010/main" val="371108760"/>
       </p:ext>
     </p:extLst>
   </p:cSld>
@@ -9522,7 +10287,7 @@
           <a:p>
             <a:r>
               <a:rPr lang="en-US" dirty="0"/>
-              <a:t>First Down Models and Results</a:t>
+              <a:t>First Down Models and Results cont.</a:t>
             </a:r>
           </a:p>
         </p:txBody>
@@ -9542,115 +10307,117 @@
           <a:bodyPr/>
           <a:lstStyle/>
           <a:p>
-            <a:pPr>
-              <a:lnSpc>
-                <a:spcPct val="150000"/>
-              </a:lnSpc>
-            </a:pPr>
+            <a:pPr marL="342900" lvl="1" indent="-342900"/>
+            <a:r>
+              <a:rPr lang="en-US" b="1" u="sng" dirty="0" smtClean="0"/>
+              <a:t>Logistic Regression </a:t>
+            </a:r>
+            <a:r>
+              <a:rPr lang="mr-IN" b="1" u="sng" dirty="0" smtClean="0"/>
+              <a:t>–</a:t>
+            </a:r>
+            <a:r>
+              <a:rPr lang="en-US" b="1" u="sng" dirty="0" smtClean="0"/>
+              <a:t> Binomial</a:t>
+            </a:r>
+          </a:p>
+          <a:p>
+            <a:pPr marL="342900" lvl="1" indent="-342900"/>
+            <a:endParaRPr lang="en-US" b="1" u="sng" dirty="0"/>
+          </a:p>
+          <a:p>
+            <a:pPr marL="342900" lvl="1" indent="-342900"/>
+            <a:endParaRPr lang="en-US" b="1" u="sng" dirty="0" smtClean="0"/>
+          </a:p>
+          <a:p>
+            <a:pPr marL="342900" lvl="1" indent="-342900"/>
+            <a:r>
+              <a:rPr lang="en-US" dirty="0"/>
+              <a:t>Training this models was very resource intensive. Higher computer power will be needed to run models</a:t>
+            </a:r>
+          </a:p>
+          <a:p>
+            <a:pPr marL="342900" lvl="1" indent="-342900"/>
+            <a:endParaRPr lang="en-US" b="1" u="sng" dirty="0" smtClean="0"/>
+          </a:p>
+          <a:p>
+            <a:pPr marL="342900" lvl="1" indent="-342900"/>
+            <a:r>
+              <a:rPr lang="en-US" dirty="0" smtClean="0"/>
+              <a:t>Please see GitHub for coded models</a:t>
+            </a:r>
+            <a:endParaRPr lang="en-US" dirty="0"/>
+          </a:p>
+        </p:txBody>
+      </p:sp>
+      <p:sp>
+        <p:nvSpPr>
+          <p:cNvPr id="4" name="Content Placeholder 3"/>
+          <p:cNvSpPr>
+            <a:spLocks noGrp="1"/>
+          </p:cNvSpPr>
+          <p:nvPr>
+            <p:ph sz="half" idx="2"/>
+          </p:nvPr>
+        </p:nvSpPr>
+        <p:spPr/>
+        <p:txBody>
+          <a:bodyPr/>
+          <a:lstStyle/>
+          <a:p>
+            <a:pPr marL="342900" lvl="1" indent="-342900"/>
             <a:r>
               <a:rPr lang="en-US" b="1" u="sng" dirty="0"/>
-              <a:t>Decision tree</a:t>
-            </a:r>
-          </a:p>
-          <a:p>
-            <a:pPr lvl="1">
-              <a:lnSpc>
-                <a:spcPct val="150000"/>
-              </a:lnSpc>
-            </a:pPr>
+              <a:t>Logistic Regression </a:t>
+            </a:r>
+            <a:r>
+              <a:rPr lang="mr-IN" b="1" u="sng" dirty="0" smtClean="0"/>
+              <a:t>–</a:t>
+            </a:r>
+            <a:r>
+              <a:rPr lang="en-US" b="1" u="sng" dirty="0" smtClean="0"/>
+              <a:t> Penalized</a:t>
+            </a:r>
+          </a:p>
+          <a:p>
+            <a:pPr marL="342900" lvl="1" indent="-342900"/>
+            <a:endParaRPr lang="en-US" b="1" u="sng" dirty="0"/>
+          </a:p>
+          <a:p>
+            <a:pPr marL="342900" lvl="1" indent="-342900"/>
+            <a:endParaRPr lang="en-US" b="1" u="sng" dirty="0" smtClean="0"/>
+          </a:p>
+          <a:p>
+            <a:pPr marL="342900" lvl="1" indent="-342900"/>
             <a:r>
               <a:rPr lang="en-US" dirty="0"/>
-              <a:t>Testing Accuracy : 0.762 </a:t>
-            </a:r>
-          </a:p>
-          <a:p>
-            <a:pPr lvl="1">
-              <a:lnSpc>
-                <a:spcPct val="150000"/>
-              </a:lnSpc>
-            </a:pPr>
-            <a:r>
-              <a:rPr lang="en-US" dirty="0" smtClean="0"/>
-              <a:t>Confusion </a:t>
-            </a:r>
+              <a:t>Training this models was very resource intensive. Higher computer power will be needed to run models</a:t>
+            </a:r>
+          </a:p>
+          <a:p>
+            <a:pPr marL="342900" lvl="1" indent="-342900"/>
+            <a:endParaRPr lang="en-US" b="1" u="sng" dirty="0"/>
+          </a:p>
+          <a:p>
+            <a:pPr marL="342900" lvl="1" indent="-342900"/>
             <a:r>
               <a:rPr lang="en-US" dirty="0"/>
-              <a:t>Matrix on Testing</a:t>
-            </a:r>
-          </a:p>
-          <a:p>
-            <a:endParaRPr lang="en-US" dirty="0"/>
-          </a:p>
-        </p:txBody>
-      </p:sp>
-      <p:sp>
-        <p:nvSpPr>
-          <p:cNvPr id="4" name="Content Placeholder 3"/>
-          <p:cNvSpPr>
-            <a:spLocks noGrp="1"/>
-          </p:cNvSpPr>
-          <p:nvPr>
-            <p:ph sz="half" idx="2"/>
-          </p:nvPr>
-        </p:nvSpPr>
-        <p:spPr/>
-        <p:txBody>
-          <a:bodyPr/>
-          <a:lstStyle/>
-          <a:p>
-            <a:r>
-              <a:rPr lang="en-US" b="1" u="sng" dirty="0"/>
-              <a:t>Random forest</a:t>
-            </a:r>
-            <a:endParaRPr lang="en-US" dirty="0"/>
-          </a:p>
-          <a:p>
-            <a:pPr lvl="1"/>
-            <a:r>
-              <a:rPr lang="en-US" dirty="0"/>
-              <a:t>Testing </a:t>
-            </a:r>
-          </a:p>
-          <a:p>
-            <a:pPr lvl="1"/>
-            <a:r>
-              <a:rPr lang="en-US" dirty="0"/>
-              <a:t>Confusion Matrix on Testing</a:t>
-            </a:r>
-          </a:p>
-          <a:p>
-            <a:endParaRPr lang="en-US" dirty="0"/>
-          </a:p>
-        </p:txBody>
-      </p:sp>
-      <p:pic>
-        <p:nvPicPr>
-          <p:cNvPr id="5" name="Picture 4"/>
-          <p:cNvPicPr>
-            <a:picLocks noChangeAspect="1"/>
-          </p:cNvPicPr>
-          <p:nvPr/>
-        </p:nvPicPr>
-        <p:blipFill>
-          <a:blip r:embed="rId2"/>
-          <a:stretch>
-            <a:fillRect/>
-          </a:stretch>
-        </p:blipFill>
-        <p:spPr>
-          <a:xfrm>
-            <a:off x="677333" y="3763736"/>
-            <a:ext cx="4229873" cy="2277625"/>
-          </a:xfrm>
-          <a:prstGeom prst="rect">
-            <a:avLst/>
-          </a:prstGeom>
-        </p:spPr>
-      </p:pic>
+              <a:t>Please see GitHub for coded models</a:t>
+            </a:r>
+          </a:p>
+          <a:p>
+            <a:pPr marL="342900" lvl="1" indent="-342900"/>
+            <a:endParaRPr lang="en-US" b="1" u="sng" dirty="0"/>
+          </a:p>
+          <a:p>
+            <a:endParaRPr lang="en-US" dirty="0"/>
+          </a:p>
+        </p:txBody>
+      </p:sp>
     </p:spTree>
     <p:extLst>
       <p:ext uri="{BB962C8B-B14F-4D97-AF65-F5344CB8AC3E}">
-        <p14:creationId xmlns:p14="http://schemas.microsoft.com/office/powerpoint/2010/main" val="1636033045"/>
+        <p14:creationId xmlns:p14="http://schemas.microsoft.com/office/powerpoint/2010/main" val="1003852304"/>
       </p:ext>
     </p:extLst>
   </p:cSld>
